--- a/Project/pjt_reservation/reservation.pptx
+++ b/Project/pjt_reservation/reservation.pptx
@@ -123,7 +123,7 @@
   </p:defaultTextStyle>
   <p:extLst>
     <p:ext uri="{EFAFB233-063F-42B5-8137-9DF3F51BA10A}">
-      <p15:sldGuideLst xmlns="" xmlns:p15="http://schemas.microsoft.com/office/powerpoint/2012/main"/>
+      <p15:sldGuideLst xmlns:p15="http://schemas.microsoft.com/office/powerpoint/2012/main" xmlns=""/>
     </p:ext>
   </p:extLst>
 </p:presentation>
@@ -134,7 +134,7 @@
   <p:cmAuthor id="1" name="최승재" initials="최" lastIdx="1" clrIdx="0">
     <p:extLst>
       <p:ext uri="{19B8F6BF-5375-455C-9EA6-DF929625EA0E}">
-        <p15:presenceInfo xmlns="" xmlns:p15="http://schemas.microsoft.com/office/powerpoint/2012/main" userId="최승재" providerId="None"/>
+        <p15:presenceInfo xmlns:p15="http://schemas.microsoft.com/office/powerpoint/2012/main" xmlns="" userId="최승재" providerId="None"/>
       </p:ext>
     </p:extLst>
   </p:cmAuthor>
@@ -223,7 +223,7 @@
           <a:p>
             <a:fld id="{333E5C4F-6617-433D-95DA-0623F4EF730B}" type="datetimeFigureOut">
               <a:rPr lang="ko-KR" altLang="en-US" smtClean="0"/>
-              <a:t>2020-11-06</a:t>
+              <a:t>2020-11-16</a:t>
             </a:fld>
             <a:endParaRPr lang="ko-KR" altLang="en-US"/>
           </a:p>
@@ -1535,7 +1535,7 @@
           <p:cNvPr id="2" name="제목 1">
             <a:extLst>
               <a:ext uri="{FF2B5EF4-FFF2-40B4-BE49-F238E27FC236}">
-                <a16:creationId xmlns="" xmlns:a16="http://schemas.microsoft.com/office/drawing/2014/main" id="{793FEBD9-C113-4FEC-9D33-433BE45E7C3B}"/>
+                <a16:creationId xmlns:a16="http://schemas.microsoft.com/office/drawing/2014/main" xmlns="" id="{793FEBD9-C113-4FEC-9D33-433BE45E7C3B}"/>
               </a:ext>
             </a:extLst>
           </p:cNvPr>
@@ -1572,7 +1572,7 @@
           <p:cNvPr id="3" name="부제목 2">
             <a:extLst>
               <a:ext uri="{FF2B5EF4-FFF2-40B4-BE49-F238E27FC236}">
-                <a16:creationId xmlns="" xmlns:a16="http://schemas.microsoft.com/office/drawing/2014/main" id="{D2F8C5CD-AFA7-48A8-948F-79A4BEF9B84E}"/>
+                <a16:creationId xmlns:a16="http://schemas.microsoft.com/office/drawing/2014/main" xmlns="" id="{D2F8C5CD-AFA7-48A8-948F-79A4BEF9B84E}"/>
               </a:ext>
             </a:extLst>
           </p:cNvPr>
@@ -1642,7 +1642,7 @@
           <p:cNvPr id="4" name="날짜 개체 틀 3">
             <a:extLst>
               <a:ext uri="{FF2B5EF4-FFF2-40B4-BE49-F238E27FC236}">
-                <a16:creationId xmlns="" xmlns:a16="http://schemas.microsoft.com/office/drawing/2014/main" id="{481593A2-75FC-471A-B28A-AA423A328ADD}"/>
+                <a16:creationId xmlns:a16="http://schemas.microsoft.com/office/drawing/2014/main" xmlns="" id="{481593A2-75FC-471A-B28A-AA423A328ADD}"/>
               </a:ext>
             </a:extLst>
           </p:cNvPr>
@@ -1660,7 +1660,7 @@
           <a:p>
             <a:fld id="{5A7A7AB7-D2BF-4F42-8826-2D80B2CC4253}" type="datetimeFigureOut">
               <a:rPr lang="ko-KR" altLang="en-US" smtClean="0"/>
-              <a:t>2020-11-06</a:t>
+              <a:t>2020-11-16</a:t>
             </a:fld>
             <a:endParaRPr lang="ko-KR" altLang="en-US"/>
           </a:p>
@@ -1671,7 +1671,7 @@
           <p:cNvPr id="5" name="바닥글 개체 틀 4">
             <a:extLst>
               <a:ext uri="{FF2B5EF4-FFF2-40B4-BE49-F238E27FC236}">
-                <a16:creationId xmlns="" xmlns:a16="http://schemas.microsoft.com/office/drawing/2014/main" id="{E56BC46F-89A3-4F43-A26E-56938E540F5F}"/>
+                <a16:creationId xmlns:a16="http://schemas.microsoft.com/office/drawing/2014/main" xmlns="" id="{E56BC46F-89A3-4F43-A26E-56938E540F5F}"/>
               </a:ext>
             </a:extLst>
           </p:cNvPr>
@@ -1696,7 +1696,7 @@
           <p:cNvPr id="6" name="슬라이드 번호 개체 틀 5">
             <a:extLst>
               <a:ext uri="{FF2B5EF4-FFF2-40B4-BE49-F238E27FC236}">
-                <a16:creationId xmlns="" xmlns:a16="http://schemas.microsoft.com/office/drawing/2014/main" id="{1267AC55-48F9-432D-90F9-7CDF30CDE141}"/>
+                <a16:creationId xmlns:a16="http://schemas.microsoft.com/office/drawing/2014/main" xmlns="" id="{1267AC55-48F9-432D-90F9-7CDF30CDE141}"/>
               </a:ext>
             </a:extLst>
           </p:cNvPr>
@@ -1755,7 +1755,7 @@
           <p:cNvPr id="2" name="제목 1">
             <a:extLst>
               <a:ext uri="{FF2B5EF4-FFF2-40B4-BE49-F238E27FC236}">
-                <a16:creationId xmlns="" xmlns:a16="http://schemas.microsoft.com/office/drawing/2014/main" id="{DEF4F824-F4FE-40D8-A4E1-67D4ECFD5C98}"/>
+                <a16:creationId xmlns:a16="http://schemas.microsoft.com/office/drawing/2014/main" xmlns="" id="{DEF4F824-F4FE-40D8-A4E1-67D4ECFD5C98}"/>
               </a:ext>
             </a:extLst>
           </p:cNvPr>
@@ -1783,7 +1783,7 @@
           <p:cNvPr id="3" name="세로 텍스트 개체 틀 2">
             <a:extLst>
               <a:ext uri="{FF2B5EF4-FFF2-40B4-BE49-F238E27FC236}">
-                <a16:creationId xmlns="" xmlns:a16="http://schemas.microsoft.com/office/drawing/2014/main" id="{76232C9F-03FB-4A74-A48E-3BB80D571EFF}"/>
+                <a16:creationId xmlns:a16="http://schemas.microsoft.com/office/drawing/2014/main" xmlns="" id="{76232C9F-03FB-4A74-A48E-3BB80D571EFF}"/>
               </a:ext>
             </a:extLst>
           </p:cNvPr>
@@ -1840,7 +1840,7 @@
           <p:cNvPr id="4" name="날짜 개체 틀 3">
             <a:extLst>
               <a:ext uri="{FF2B5EF4-FFF2-40B4-BE49-F238E27FC236}">
-                <a16:creationId xmlns="" xmlns:a16="http://schemas.microsoft.com/office/drawing/2014/main" id="{AB0CE8C1-088D-41F7-BA02-AAC427E26292}"/>
+                <a16:creationId xmlns:a16="http://schemas.microsoft.com/office/drawing/2014/main" xmlns="" id="{AB0CE8C1-088D-41F7-BA02-AAC427E26292}"/>
               </a:ext>
             </a:extLst>
           </p:cNvPr>
@@ -1858,7 +1858,7 @@
           <a:p>
             <a:fld id="{5A7A7AB7-D2BF-4F42-8826-2D80B2CC4253}" type="datetimeFigureOut">
               <a:rPr lang="ko-KR" altLang="en-US" smtClean="0"/>
-              <a:t>2020-11-06</a:t>
+              <a:t>2020-11-16</a:t>
             </a:fld>
             <a:endParaRPr lang="ko-KR" altLang="en-US"/>
           </a:p>
@@ -1869,7 +1869,7 @@
           <p:cNvPr id="5" name="바닥글 개체 틀 4">
             <a:extLst>
               <a:ext uri="{FF2B5EF4-FFF2-40B4-BE49-F238E27FC236}">
-                <a16:creationId xmlns="" xmlns:a16="http://schemas.microsoft.com/office/drawing/2014/main" id="{063DF9C2-B5C9-4554-BF7D-FA66B3CED526}"/>
+                <a16:creationId xmlns:a16="http://schemas.microsoft.com/office/drawing/2014/main" xmlns="" id="{063DF9C2-B5C9-4554-BF7D-FA66B3CED526}"/>
               </a:ext>
             </a:extLst>
           </p:cNvPr>
@@ -1894,7 +1894,7 @@
           <p:cNvPr id="6" name="슬라이드 번호 개체 틀 5">
             <a:extLst>
               <a:ext uri="{FF2B5EF4-FFF2-40B4-BE49-F238E27FC236}">
-                <a16:creationId xmlns="" xmlns:a16="http://schemas.microsoft.com/office/drawing/2014/main" id="{07F48648-8BAE-466B-96CE-3014C9807905}"/>
+                <a16:creationId xmlns:a16="http://schemas.microsoft.com/office/drawing/2014/main" xmlns="" id="{07F48648-8BAE-466B-96CE-3014C9807905}"/>
               </a:ext>
             </a:extLst>
           </p:cNvPr>
@@ -1953,7 +1953,7 @@
           <p:cNvPr id="2" name="세로 제목 1">
             <a:extLst>
               <a:ext uri="{FF2B5EF4-FFF2-40B4-BE49-F238E27FC236}">
-                <a16:creationId xmlns="" xmlns:a16="http://schemas.microsoft.com/office/drawing/2014/main" id="{DDECEB53-51DD-4CD6-A03E-2C2273005FD4}"/>
+                <a16:creationId xmlns:a16="http://schemas.microsoft.com/office/drawing/2014/main" xmlns="" id="{DDECEB53-51DD-4CD6-A03E-2C2273005FD4}"/>
               </a:ext>
             </a:extLst>
           </p:cNvPr>
@@ -1986,7 +1986,7 @@
           <p:cNvPr id="3" name="세로 텍스트 개체 틀 2">
             <a:extLst>
               <a:ext uri="{FF2B5EF4-FFF2-40B4-BE49-F238E27FC236}">
-                <a16:creationId xmlns="" xmlns:a16="http://schemas.microsoft.com/office/drawing/2014/main" id="{980E0F7A-9CE2-42E6-B596-29AE6D452C3F}"/>
+                <a16:creationId xmlns:a16="http://schemas.microsoft.com/office/drawing/2014/main" xmlns="" id="{980E0F7A-9CE2-42E6-B596-29AE6D452C3F}"/>
               </a:ext>
             </a:extLst>
           </p:cNvPr>
@@ -2048,7 +2048,7 @@
           <p:cNvPr id="4" name="날짜 개체 틀 3">
             <a:extLst>
               <a:ext uri="{FF2B5EF4-FFF2-40B4-BE49-F238E27FC236}">
-                <a16:creationId xmlns="" xmlns:a16="http://schemas.microsoft.com/office/drawing/2014/main" id="{058EC512-5658-4003-AE3E-EFA8B023DB61}"/>
+                <a16:creationId xmlns:a16="http://schemas.microsoft.com/office/drawing/2014/main" xmlns="" id="{058EC512-5658-4003-AE3E-EFA8B023DB61}"/>
               </a:ext>
             </a:extLst>
           </p:cNvPr>
@@ -2066,7 +2066,7 @@
           <a:p>
             <a:fld id="{5A7A7AB7-D2BF-4F42-8826-2D80B2CC4253}" type="datetimeFigureOut">
               <a:rPr lang="ko-KR" altLang="en-US" smtClean="0"/>
-              <a:t>2020-11-06</a:t>
+              <a:t>2020-11-16</a:t>
             </a:fld>
             <a:endParaRPr lang="ko-KR" altLang="en-US"/>
           </a:p>
@@ -2077,7 +2077,7 @@
           <p:cNvPr id="5" name="바닥글 개체 틀 4">
             <a:extLst>
               <a:ext uri="{FF2B5EF4-FFF2-40B4-BE49-F238E27FC236}">
-                <a16:creationId xmlns="" xmlns:a16="http://schemas.microsoft.com/office/drawing/2014/main" id="{C8C06424-EB12-4835-844C-DAADB4904876}"/>
+                <a16:creationId xmlns:a16="http://schemas.microsoft.com/office/drawing/2014/main" xmlns="" id="{C8C06424-EB12-4835-844C-DAADB4904876}"/>
               </a:ext>
             </a:extLst>
           </p:cNvPr>
@@ -2102,7 +2102,7 @@
           <p:cNvPr id="6" name="슬라이드 번호 개체 틀 5">
             <a:extLst>
               <a:ext uri="{FF2B5EF4-FFF2-40B4-BE49-F238E27FC236}">
-                <a16:creationId xmlns="" xmlns:a16="http://schemas.microsoft.com/office/drawing/2014/main" id="{7252BE1F-2806-4B0E-A45C-9AC1F484DAA5}"/>
+                <a16:creationId xmlns:a16="http://schemas.microsoft.com/office/drawing/2014/main" xmlns="" id="{7252BE1F-2806-4B0E-A45C-9AC1F484DAA5}"/>
               </a:ext>
             </a:extLst>
           </p:cNvPr>
@@ -2161,7 +2161,7 @@
           <p:cNvPr id="2" name="제목 1">
             <a:extLst>
               <a:ext uri="{FF2B5EF4-FFF2-40B4-BE49-F238E27FC236}">
-                <a16:creationId xmlns="" xmlns:a16="http://schemas.microsoft.com/office/drawing/2014/main" id="{886F0872-7AD5-4397-8B21-6A77D42F16D1}"/>
+                <a16:creationId xmlns:a16="http://schemas.microsoft.com/office/drawing/2014/main" xmlns="" id="{886F0872-7AD5-4397-8B21-6A77D42F16D1}"/>
               </a:ext>
             </a:extLst>
           </p:cNvPr>
@@ -2189,7 +2189,7 @@
           <p:cNvPr id="3" name="내용 개체 틀 2">
             <a:extLst>
               <a:ext uri="{FF2B5EF4-FFF2-40B4-BE49-F238E27FC236}">
-                <a16:creationId xmlns="" xmlns:a16="http://schemas.microsoft.com/office/drawing/2014/main" id="{A9867D18-4726-40C9-B45A-93D456DE823D}"/>
+                <a16:creationId xmlns:a16="http://schemas.microsoft.com/office/drawing/2014/main" xmlns="" id="{A9867D18-4726-40C9-B45A-93D456DE823D}"/>
               </a:ext>
             </a:extLst>
           </p:cNvPr>
@@ -2246,7 +2246,7 @@
           <p:cNvPr id="4" name="날짜 개체 틀 3">
             <a:extLst>
               <a:ext uri="{FF2B5EF4-FFF2-40B4-BE49-F238E27FC236}">
-                <a16:creationId xmlns="" xmlns:a16="http://schemas.microsoft.com/office/drawing/2014/main" id="{8487BBAF-149E-4CB3-BB80-738BFFA407CB}"/>
+                <a16:creationId xmlns:a16="http://schemas.microsoft.com/office/drawing/2014/main" xmlns="" id="{8487BBAF-149E-4CB3-BB80-738BFFA407CB}"/>
               </a:ext>
             </a:extLst>
           </p:cNvPr>
@@ -2264,7 +2264,7 @@
           <a:p>
             <a:fld id="{5A7A7AB7-D2BF-4F42-8826-2D80B2CC4253}" type="datetimeFigureOut">
               <a:rPr lang="ko-KR" altLang="en-US" smtClean="0"/>
-              <a:t>2020-11-06</a:t>
+              <a:t>2020-11-16</a:t>
             </a:fld>
             <a:endParaRPr lang="ko-KR" altLang="en-US"/>
           </a:p>
@@ -2275,7 +2275,7 @@
           <p:cNvPr id="5" name="바닥글 개체 틀 4">
             <a:extLst>
               <a:ext uri="{FF2B5EF4-FFF2-40B4-BE49-F238E27FC236}">
-                <a16:creationId xmlns="" xmlns:a16="http://schemas.microsoft.com/office/drawing/2014/main" id="{E50402D9-B396-4F52-9583-EB33EDEE4E60}"/>
+                <a16:creationId xmlns:a16="http://schemas.microsoft.com/office/drawing/2014/main" xmlns="" id="{E50402D9-B396-4F52-9583-EB33EDEE4E60}"/>
               </a:ext>
             </a:extLst>
           </p:cNvPr>
@@ -2300,7 +2300,7 @@
           <p:cNvPr id="6" name="슬라이드 번호 개체 틀 5">
             <a:extLst>
               <a:ext uri="{FF2B5EF4-FFF2-40B4-BE49-F238E27FC236}">
-                <a16:creationId xmlns="" xmlns:a16="http://schemas.microsoft.com/office/drawing/2014/main" id="{B3250280-8BD5-4A42-85AB-3E8A7C46DE90}"/>
+                <a16:creationId xmlns:a16="http://schemas.microsoft.com/office/drawing/2014/main" xmlns="" id="{B3250280-8BD5-4A42-85AB-3E8A7C46DE90}"/>
               </a:ext>
             </a:extLst>
           </p:cNvPr>
@@ -2359,7 +2359,7 @@
           <p:cNvPr id="2" name="제목 1">
             <a:extLst>
               <a:ext uri="{FF2B5EF4-FFF2-40B4-BE49-F238E27FC236}">
-                <a16:creationId xmlns="" xmlns:a16="http://schemas.microsoft.com/office/drawing/2014/main" id="{A0E41A98-6B49-4B3C-A394-4EDEB320AF25}"/>
+                <a16:creationId xmlns:a16="http://schemas.microsoft.com/office/drawing/2014/main" xmlns="" id="{A0E41A98-6B49-4B3C-A394-4EDEB320AF25}"/>
               </a:ext>
             </a:extLst>
           </p:cNvPr>
@@ -2396,7 +2396,7 @@
           <p:cNvPr id="3" name="텍스트 개체 틀 2">
             <a:extLst>
               <a:ext uri="{FF2B5EF4-FFF2-40B4-BE49-F238E27FC236}">
-                <a16:creationId xmlns="" xmlns:a16="http://schemas.microsoft.com/office/drawing/2014/main" id="{A03D8B4C-EB03-4780-8778-18D4098F3FB9}"/>
+                <a16:creationId xmlns:a16="http://schemas.microsoft.com/office/drawing/2014/main" xmlns="" id="{A03D8B4C-EB03-4780-8778-18D4098F3FB9}"/>
               </a:ext>
             </a:extLst>
           </p:cNvPr>
@@ -2521,7 +2521,7 @@
           <p:cNvPr id="4" name="날짜 개체 틀 3">
             <a:extLst>
               <a:ext uri="{FF2B5EF4-FFF2-40B4-BE49-F238E27FC236}">
-                <a16:creationId xmlns="" xmlns:a16="http://schemas.microsoft.com/office/drawing/2014/main" id="{CFB1E025-84F0-44EE-B240-A62A965FF435}"/>
+                <a16:creationId xmlns:a16="http://schemas.microsoft.com/office/drawing/2014/main" xmlns="" id="{CFB1E025-84F0-44EE-B240-A62A965FF435}"/>
               </a:ext>
             </a:extLst>
           </p:cNvPr>
@@ -2539,7 +2539,7 @@
           <a:p>
             <a:fld id="{5A7A7AB7-D2BF-4F42-8826-2D80B2CC4253}" type="datetimeFigureOut">
               <a:rPr lang="ko-KR" altLang="en-US" smtClean="0"/>
-              <a:t>2020-11-06</a:t>
+              <a:t>2020-11-16</a:t>
             </a:fld>
             <a:endParaRPr lang="ko-KR" altLang="en-US"/>
           </a:p>
@@ -2550,7 +2550,7 @@
           <p:cNvPr id="5" name="바닥글 개체 틀 4">
             <a:extLst>
               <a:ext uri="{FF2B5EF4-FFF2-40B4-BE49-F238E27FC236}">
-                <a16:creationId xmlns="" xmlns:a16="http://schemas.microsoft.com/office/drawing/2014/main" id="{2827F71D-5AAA-4BF9-993B-5282C59BFFF0}"/>
+                <a16:creationId xmlns:a16="http://schemas.microsoft.com/office/drawing/2014/main" xmlns="" id="{2827F71D-5AAA-4BF9-993B-5282C59BFFF0}"/>
               </a:ext>
             </a:extLst>
           </p:cNvPr>
@@ -2575,7 +2575,7 @@
           <p:cNvPr id="6" name="슬라이드 번호 개체 틀 5">
             <a:extLst>
               <a:ext uri="{FF2B5EF4-FFF2-40B4-BE49-F238E27FC236}">
-                <a16:creationId xmlns="" xmlns:a16="http://schemas.microsoft.com/office/drawing/2014/main" id="{008A1723-9D2F-455F-8B18-A42898B116CB}"/>
+                <a16:creationId xmlns:a16="http://schemas.microsoft.com/office/drawing/2014/main" xmlns="" id="{008A1723-9D2F-455F-8B18-A42898B116CB}"/>
               </a:ext>
             </a:extLst>
           </p:cNvPr>
@@ -2634,7 +2634,7 @@
           <p:cNvPr id="2" name="제목 1">
             <a:extLst>
               <a:ext uri="{FF2B5EF4-FFF2-40B4-BE49-F238E27FC236}">
-                <a16:creationId xmlns="" xmlns:a16="http://schemas.microsoft.com/office/drawing/2014/main" id="{016CD232-DABA-4F1A-9421-D30825E53DC2}"/>
+                <a16:creationId xmlns:a16="http://schemas.microsoft.com/office/drawing/2014/main" xmlns="" id="{016CD232-DABA-4F1A-9421-D30825E53DC2}"/>
               </a:ext>
             </a:extLst>
           </p:cNvPr>
@@ -2662,7 +2662,7 @@
           <p:cNvPr id="3" name="내용 개체 틀 2">
             <a:extLst>
               <a:ext uri="{FF2B5EF4-FFF2-40B4-BE49-F238E27FC236}">
-                <a16:creationId xmlns="" xmlns:a16="http://schemas.microsoft.com/office/drawing/2014/main" id="{7F4B8128-033F-4689-BED4-BCDC97A9C212}"/>
+                <a16:creationId xmlns:a16="http://schemas.microsoft.com/office/drawing/2014/main" xmlns="" id="{7F4B8128-033F-4689-BED4-BCDC97A9C212}"/>
               </a:ext>
             </a:extLst>
           </p:cNvPr>
@@ -2724,7 +2724,7 @@
           <p:cNvPr id="4" name="내용 개체 틀 3">
             <a:extLst>
               <a:ext uri="{FF2B5EF4-FFF2-40B4-BE49-F238E27FC236}">
-                <a16:creationId xmlns="" xmlns:a16="http://schemas.microsoft.com/office/drawing/2014/main" id="{06BD011A-BAD1-47A6-90F5-6DB3870F065C}"/>
+                <a16:creationId xmlns:a16="http://schemas.microsoft.com/office/drawing/2014/main" xmlns="" id="{06BD011A-BAD1-47A6-90F5-6DB3870F065C}"/>
               </a:ext>
             </a:extLst>
           </p:cNvPr>
@@ -2786,7 +2786,7 @@
           <p:cNvPr id="5" name="날짜 개체 틀 4">
             <a:extLst>
               <a:ext uri="{FF2B5EF4-FFF2-40B4-BE49-F238E27FC236}">
-                <a16:creationId xmlns="" xmlns:a16="http://schemas.microsoft.com/office/drawing/2014/main" id="{CCFB6148-1A0E-44F5-BB91-E243DFDBBAE9}"/>
+                <a16:creationId xmlns:a16="http://schemas.microsoft.com/office/drawing/2014/main" xmlns="" id="{CCFB6148-1A0E-44F5-BB91-E243DFDBBAE9}"/>
               </a:ext>
             </a:extLst>
           </p:cNvPr>
@@ -2804,7 +2804,7 @@
           <a:p>
             <a:fld id="{5A7A7AB7-D2BF-4F42-8826-2D80B2CC4253}" type="datetimeFigureOut">
               <a:rPr lang="ko-KR" altLang="en-US" smtClean="0"/>
-              <a:t>2020-11-06</a:t>
+              <a:t>2020-11-16</a:t>
             </a:fld>
             <a:endParaRPr lang="ko-KR" altLang="en-US"/>
           </a:p>
@@ -2815,7 +2815,7 @@
           <p:cNvPr id="6" name="바닥글 개체 틀 5">
             <a:extLst>
               <a:ext uri="{FF2B5EF4-FFF2-40B4-BE49-F238E27FC236}">
-                <a16:creationId xmlns="" xmlns:a16="http://schemas.microsoft.com/office/drawing/2014/main" id="{BEBD1774-4223-4CF3-8F94-10C5503711AC}"/>
+                <a16:creationId xmlns:a16="http://schemas.microsoft.com/office/drawing/2014/main" xmlns="" id="{BEBD1774-4223-4CF3-8F94-10C5503711AC}"/>
               </a:ext>
             </a:extLst>
           </p:cNvPr>
@@ -2840,7 +2840,7 @@
           <p:cNvPr id="7" name="슬라이드 번호 개체 틀 6">
             <a:extLst>
               <a:ext uri="{FF2B5EF4-FFF2-40B4-BE49-F238E27FC236}">
-                <a16:creationId xmlns="" xmlns:a16="http://schemas.microsoft.com/office/drawing/2014/main" id="{2C81A8F3-7203-4874-96FB-808445053E29}"/>
+                <a16:creationId xmlns:a16="http://schemas.microsoft.com/office/drawing/2014/main" xmlns="" id="{2C81A8F3-7203-4874-96FB-808445053E29}"/>
               </a:ext>
             </a:extLst>
           </p:cNvPr>
@@ -2899,7 +2899,7 @@
           <p:cNvPr id="2" name="제목 1">
             <a:extLst>
               <a:ext uri="{FF2B5EF4-FFF2-40B4-BE49-F238E27FC236}">
-                <a16:creationId xmlns="" xmlns:a16="http://schemas.microsoft.com/office/drawing/2014/main" id="{AA9F579C-E5F5-4A8A-8E95-DF67D2C5E698}"/>
+                <a16:creationId xmlns:a16="http://schemas.microsoft.com/office/drawing/2014/main" xmlns="" id="{AA9F579C-E5F5-4A8A-8E95-DF67D2C5E698}"/>
               </a:ext>
             </a:extLst>
           </p:cNvPr>
@@ -2932,7 +2932,7 @@
           <p:cNvPr id="3" name="텍스트 개체 틀 2">
             <a:extLst>
               <a:ext uri="{FF2B5EF4-FFF2-40B4-BE49-F238E27FC236}">
-                <a16:creationId xmlns="" xmlns:a16="http://schemas.microsoft.com/office/drawing/2014/main" id="{F3272C24-FC3F-441D-A0A9-5E5933DF6677}"/>
+                <a16:creationId xmlns:a16="http://schemas.microsoft.com/office/drawing/2014/main" xmlns="" id="{F3272C24-FC3F-441D-A0A9-5E5933DF6677}"/>
               </a:ext>
             </a:extLst>
           </p:cNvPr>
@@ -3003,7 +3003,7 @@
           <p:cNvPr id="4" name="내용 개체 틀 3">
             <a:extLst>
               <a:ext uri="{FF2B5EF4-FFF2-40B4-BE49-F238E27FC236}">
-                <a16:creationId xmlns="" xmlns:a16="http://schemas.microsoft.com/office/drawing/2014/main" id="{07C25DB3-E70E-4D7A-9345-DB320272B427}"/>
+                <a16:creationId xmlns:a16="http://schemas.microsoft.com/office/drawing/2014/main" xmlns="" id="{07C25DB3-E70E-4D7A-9345-DB320272B427}"/>
               </a:ext>
             </a:extLst>
           </p:cNvPr>
@@ -3065,7 +3065,7 @@
           <p:cNvPr id="5" name="텍스트 개체 틀 4">
             <a:extLst>
               <a:ext uri="{FF2B5EF4-FFF2-40B4-BE49-F238E27FC236}">
-                <a16:creationId xmlns="" xmlns:a16="http://schemas.microsoft.com/office/drawing/2014/main" id="{2D20AB3C-5CC9-4E49-80D7-39439626B8B5}"/>
+                <a16:creationId xmlns:a16="http://schemas.microsoft.com/office/drawing/2014/main" xmlns="" id="{2D20AB3C-5CC9-4E49-80D7-39439626B8B5}"/>
               </a:ext>
             </a:extLst>
           </p:cNvPr>
@@ -3136,7 +3136,7 @@
           <p:cNvPr id="6" name="내용 개체 틀 5">
             <a:extLst>
               <a:ext uri="{FF2B5EF4-FFF2-40B4-BE49-F238E27FC236}">
-                <a16:creationId xmlns="" xmlns:a16="http://schemas.microsoft.com/office/drawing/2014/main" id="{6676B0C4-4EC9-4E2C-AC6C-90185EE6E502}"/>
+                <a16:creationId xmlns:a16="http://schemas.microsoft.com/office/drawing/2014/main" xmlns="" id="{6676B0C4-4EC9-4E2C-AC6C-90185EE6E502}"/>
               </a:ext>
             </a:extLst>
           </p:cNvPr>
@@ -3198,7 +3198,7 @@
           <p:cNvPr id="7" name="날짜 개체 틀 6">
             <a:extLst>
               <a:ext uri="{FF2B5EF4-FFF2-40B4-BE49-F238E27FC236}">
-                <a16:creationId xmlns="" xmlns:a16="http://schemas.microsoft.com/office/drawing/2014/main" id="{8668CAF4-FC9F-43CB-B7AA-BF3D1FE25BDB}"/>
+                <a16:creationId xmlns:a16="http://schemas.microsoft.com/office/drawing/2014/main" xmlns="" id="{8668CAF4-FC9F-43CB-B7AA-BF3D1FE25BDB}"/>
               </a:ext>
             </a:extLst>
           </p:cNvPr>
@@ -3216,7 +3216,7 @@
           <a:p>
             <a:fld id="{5A7A7AB7-D2BF-4F42-8826-2D80B2CC4253}" type="datetimeFigureOut">
               <a:rPr lang="ko-KR" altLang="en-US" smtClean="0"/>
-              <a:t>2020-11-06</a:t>
+              <a:t>2020-11-16</a:t>
             </a:fld>
             <a:endParaRPr lang="ko-KR" altLang="en-US"/>
           </a:p>
@@ -3227,7 +3227,7 @@
           <p:cNvPr id="8" name="바닥글 개체 틀 7">
             <a:extLst>
               <a:ext uri="{FF2B5EF4-FFF2-40B4-BE49-F238E27FC236}">
-                <a16:creationId xmlns="" xmlns:a16="http://schemas.microsoft.com/office/drawing/2014/main" id="{28C92CC5-8F88-4CE8-894F-C8E5DCE42377}"/>
+                <a16:creationId xmlns:a16="http://schemas.microsoft.com/office/drawing/2014/main" xmlns="" id="{28C92CC5-8F88-4CE8-894F-C8E5DCE42377}"/>
               </a:ext>
             </a:extLst>
           </p:cNvPr>
@@ -3252,7 +3252,7 @@
           <p:cNvPr id="9" name="슬라이드 번호 개체 틀 8">
             <a:extLst>
               <a:ext uri="{FF2B5EF4-FFF2-40B4-BE49-F238E27FC236}">
-                <a16:creationId xmlns="" xmlns:a16="http://schemas.microsoft.com/office/drawing/2014/main" id="{9E1DE62F-9282-4557-88BD-782E6BFA394A}"/>
+                <a16:creationId xmlns:a16="http://schemas.microsoft.com/office/drawing/2014/main" xmlns="" id="{9E1DE62F-9282-4557-88BD-782E6BFA394A}"/>
               </a:ext>
             </a:extLst>
           </p:cNvPr>
@@ -3311,7 +3311,7 @@
           <p:cNvPr id="2" name="제목 1">
             <a:extLst>
               <a:ext uri="{FF2B5EF4-FFF2-40B4-BE49-F238E27FC236}">
-                <a16:creationId xmlns="" xmlns:a16="http://schemas.microsoft.com/office/drawing/2014/main" id="{911ACEC0-50B9-4006-BC22-246F08BD52B3}"/>
+                <a16:creationId xmlns:a16="http://schemas.microsoft.com/office/drawing/2014/main" xmlns="" id="{911ACEC0-50B9-4006-BC22-246F08BD52B3}"/>
               </a:ext>
             </a:extLst>
           </p:cNvPr>
@@ -3339,7 +3339,7 @@
           <p:cNvPr id="3" name="날짜 개체 틀 2">
             <a:extLst>
               <a:ext uri="{FF2B5EF4-FFF2-40B4-BE49-F238E27FC236}">
-                <a16:creationId xmlns="" xmlns:a16="http://schemas.microsoft.com/office/drawing/2014/main" id="{18094BE2-5751-48D4-9F54-36C3F88DF287}"/>
+                <a16:creationId xmlns:a16="http://schemas.microsoft.com/office/drawing/2014/main" xmlns="" id="{18094BE2-5751-48D4-9F54-36C3F88DF287}"/>
               </a:ext>
             </a:extLst>
           </p:cNvPr>
@@ -3357,7 +3357,7 @@
           <a:p>
             <a:fld id="{5A7A7AB7-D2BF-4F42-8826-2D80B2CC4253}" type="datetimeFigureOut">
               <a:rPr lang="ko-KR" altLang="en-US" smtClean="0"/>
-              <a:t>2020-11-06</a:t>
+              <a:t>2020-11-16</a:t>
             </a:fld>
             <a:endParaRPr lang="ko-KR" altLang="en-US"/>
           </a:p>
@@ -3368,7 +3368,7 @@
           <p:cNvPr id="4" name="바닥글 개체 틀 3">
             <a:extLst>
               <a:ext uri="{FF2B5EF4-FFF2-40B4-BE49-F238E27FC236}">
-                <a16:creationId xmlns="" xmlns:a16="http://schemas.microsoft.com/office/drawing/2014/main" id="{A638611C-3774-409E-8092-34A4F3D43150}"/>
+                <a16:creationId xmlns:a16="http://schemas.microsoft.com/office/drawing/2014/main" xmlns="" id="{A638611C-3774-409E-8092-34A4F3D43150}"/>
               </a:ext>
             </a:extLst>
           </p:cNvPr>
@@ -3393,7 +3393,7 @@
           <p:cNvPr id="5" name="슬라이드 번호 개체 틀 4">
             <a:extLst>
               <a:ext uri="{FF2B5EF4-FFF2-40B4-BE49-F238E27FC236}">
-                <a16:creationId xmlns="" xmlns:a16="http://schemas.microsoft.com/office/drawing/2014/main" id="{14C792CF-454A-46B1-A517-06BBE044B1DD}"/>
+                <a16:creationId xmlns:a16="http://schemas.microsoft.com/office/drawing/2014/main" xmlns="" id="{14C792CF-454A-46B1-A517-06BBE044B1DD}"/>
               </a:ext>
             </a:extLst>
           </p:cNvPr>
@@ -3452,7 +3452,7 @@
           <p:cNvPr id="2" name="날짜 개체 틀 1">
             <a:extLst>
               <a:ext uri="{FF2B5EF4-FFF2-40B4-BE49-F238E27FC236}">
-                <a16:creationId xmlns="" xmlns:a16="http://schemas.microsoft.com/office/drawing/2014/main" id="{E3408FDD-89F5-4277-9872-E9DCBF654D0C}"/>
+                <a16:creationId xmlns:a16="http://schemas.microsoft.com/office/drawing/2014/main" xmlns="" id="{E3408FDD-89F5-4277-9872-E9DCBF654D0C}"/>
               </a:ext>
             </a:extLst>
           </p:cNvPr>
@@ -3470,7 +3470,7 @@
           <a:p>
             <a:fld id="{5A7A7AB7-D2BF-4F42-8826-2D80B2CC4253}" type="datetimeFigureOut">
               <a:rPr lang="ko-KR" altLang="en-US" smtClean="0"/>
-              <a:t>2020-11-06</a:t>
+              <a:t>2020-11-16</a:t>
             </a:fld>
             <a:endParaRPr lang="ko-KR" altLang="en-US"/>
           </a:p>
@@ -3481,7 +3481,7 @@
           <p:cNvPr id="3" name="바닥글 개체 틀 2">
             <a:extLst>
               <a:ext uri="{FF2B5EF4-FFF2-40B4-BE49-F238E27FC236}">
-                <a16:creationId xmlns="" xmlns:a16="http://schemas.microsoft.com/office/drawing/2014/main" id="{902ACFB6-1C87-4782-B224-DEE812FF27E0}"/>
+                <a16:creationId xmlns:a16="http://schemas.microsoft.com/office/drawing/2014/main" xmlns="" id="{902ACFB6-1C87-4782-B224-DEE812FF27E0}"/>
               </a:ext>
             </a:extLst>
           </p:cNvPr>
@@ -3506,7 +3506,7 @@
           <p:cNvPr id="4" name="슬라이드 번호 개체 틀 3">
             <a:extLst>
               <a:ext uri="{FF2B5EF4-FFF2-40B4-BE49-F238E27FC236}">
-                <a16:creationId xmlns="" xmlns:a16="http://schemas.microsoft.com/office/drawing/2014/main" id="{8EBD34FC-D4CE-48B0-AEE5-7B590F77A325}"/>
+                <a16:creationId xmlns:a16="http://schemas.microsoft.com/office/drawing/2014/main" xmlns="" id="{8EBD34FC-D4CE-48B0-AEE5-7B590F77A325}"/>
               </a:ext>
             </a:extLst>
           </p:cNvPr>
@@ -3565,7 +3565,7 @@
           <p:cNvPr id="2" name="제목 1">
             <a:extLst>
               <a:ext uri="{FF2B5EF4-FFF2-40B4-BE49-F238E27FC236}">
-                <a16:creationId xmlns="" xmlns:a16="http://schemas.microsoft.com/office/drawing/2014/main" id="{82F8E7B6-6D3C-4739-8D61-2873A4FBADA7}"/>
+                <a16:creationId xmlns:a16="http://schemas.microsoft.com/office/drawing/2014/main" xmlns="" id="{82F8E7B6-6D3C-4739-8D61-2873A4FBADA7}"/>
               </a:ext>
             </a:extLst>
           </p:cNvPr>
@@ -3602,7 +3602,7 @@
           <p:cNvPr id="3" name="내용 개체 틀 2">
             <a:extLst>
               <a:ext uri="{FF2B5EF4-FFF2-40B4-BE49-F238E27FC236}">
-                <a16:creationId xmlns="" xmlns:a16="http://schemas.microsoft.com/office/drawing/2014/main" id="{3406D793-FDA5-468E-AE03-6E3F7AC46563}"/>
+                <a16:creationId xmlns:a16="http://schemas.microsoft.com/office/drawing/2014/main" xmlns="" id="{3406D793-FDA5-468E-AE03-6E3F7AC46563}"/>
               </a:ext>
             </a:extLst>
           </p:cNvPr>
@@ -3692,7 +3692,7 @@
           <p:cNvPr id="4" name="텍스트 개체 틀 3">
             <a:extLst>
               <a:ext uri="{FF2B5EF4-FFF2-40B4-BE49-F238E27FC236}">
-                <a16:creationId xmlns="" xmlns:a16="http://schemas.microsoft.com/office/drawing/2014/main" id="{E77A814C-70BE-4FF2-88DB-1A376A1B185E}"/>
+                <a16:creationId xmlns:a16="http://schemas.microsoft.com/office/drawing/2014/main" xmlns="" id="{E77A814C-70BE-4FF2-88DB-1A376A1B185E}"/>
               </a:ext>
             </a:extLst>
           </p:cNvPr>
@@ -3763,7 +3763,7 @@
           <p:cNvPr id="5" name="날짜 개체 틀 4">
             <a:extLst>
               <a:ext uri="{FF2B5EF4-FFF2-40B4-BE49-F238E27FC236}">
-                <a16:creationId xmlns="" xmlns:a16="http://schemas.microsoft.com/office/drawing/2014/main" id="{CEABA9F7-FA32-4A8F-8471-F52BB542A349}"/>
+                <a16:creationId xmlns:a16="http://schemas.microsoft.com/office/drawing/2014/main" xmlns="" id="{CEABA9F7-FA32-4A8F-8471-F52BB542A349}"/>
               </a:ext>
             </a:extLst>
           </p:cNvPr>
@@ -3781,7 +3781,7 @@
           <a:p>
             <a:fld id="{5A7A7AB7-D2BF-4F42-8826-2D80B2CC4253}" type="datetimeFigureOut">
               <a:rPr lang="ko-KR" altLang="en-US" smtClean="0"/>
-              <a:t>2020-11-06</a:t>
+              <a:t>2020-11-16</a:t>
             </a:fld>
             <a:endParaRPr lang="ko-KR" altLang="en-US"/>
           </a:p>
@@ -3792,7 +3792,7 @@
           <p:cNvPr id="6" name="바닥글 개체 틀 5">
             <a:extLst>
               <a:ext uri="{FF2B5EF4-FFF2-40B4-BE49-F238E27FC236}">
-                <a16:creationId xmlns="" xmlns:a16="http://schemas.microsoft.com/office/drawing/2014/main" id="{3685FBB2-5916-4555-AFE2-2906430B7CBD}"/>
+                <a16:creationId xmlns:a16="http://schemas.microsoft.com/office/drawing/2014/main" xmlns="" id="{3685FBB2-5916-4555-AFE2-2906430B7CBD}"/>
               </a:ext>
             </a:extLst>
           </p:cNvPr>
@@ -3817,7 +3817,7 @@
           <p:cNvPr id="7" name="슬라이드 번호 개체 틀 6">
             <a:extLst>
               <a:ext uri="{FF2B5EF4-FFF2-40B4-BE49-F238E27FC236}">
-                <a16:creationId xmlns="" xmlns:a16="http://schemas.microsoft.com/office/drawing/2014/main" id="{22F0C999-68AC-4FFD-AF81-230647EE470E}"/>
+                <a16:creationId xmlns:a16="http://schemas.microsoft.com/office/drawing/2014/main" xmlns="" id="{22F0C999-68AC-4FFD-AF81-230647EE470E}"/>
               </a:ext>
             </a:extLst>
           </p:cNvPr>
@@ -3876,7 +3876,7 @@
           <p:cNvPr id="2" name="제목 1">
             <a:extLst>
               <a:ext uri="{FF2B5EF4-FFF2-40B4-BE49-F238E27FC236}">
-                <a16:creationId xmlns="" xmlns:a16="http://schemas.microsoft.com/office/drawing/2014/main" id="{4386AAA4-CA80-4D7C-9AD1-9B60DF1A5ADE}"/>
+                <a16:creationId xmlns:a16="http://schemas.microsoft.com/office/drawing/2014/main" xmlns="" id="{4386AAA4-CA80-4D7C-9AD1-9B60DF1A5ADE}"/>
               </a:ext>
             </a:extLst>
           </p:cNvPr>
@@ -3913,7 +3913,7 @@
           <p:cNvPr id="3" name="그림 개체 틀 2">
             <a:extLst>
               <a:ext uri="{FF2B5EF4-FFF2-40B4-BE49-F238E27FC236}">
-                <a16:creationId xmlns="" xmlns:a16="http://schemas.microsoft.com/office/drawing/2014/main" id="{CC85D33A-A315-468F-A1A3-4AB32D60A9A4}"/>
+                <a16:creationId xmlns:a16="http://schemas.microsoft.com/office/drawing/2014/main" xmlns="" id="{CC85D33A-A315-468F-A1A3-4AB32D60A9A4}"/>
               </a:ext>
             </a:extLst>
           </p:cNvPr>
@@ -3980,7 +3980,7 @@
           <p:cNvPr id="4" name="텍스트 개체 틀 3">
             <a:extLst>
               <a:ext uri="{FF2B5EF4-FFF2-40B4-BE49-F238E27FC236}">
-                <a16:creationId xmlns="" xmlns:a16="http://schemas.microsoft.com/office/drawing/2014/main" id="{CE968350-D262-43E1-992E-256F6012BD5D}"/>
+                <a16:creationId xmlns:a16="http://schemas.microsoft.com/office/drawing/2014/main" xmlns="" id="{CE968350-D262-43E1-992E-256F6012BD5D}"/>
               </a:ext>
             </a:extLst>
           </p:cNvPr>
@@ -4051,7 +4051,7 @@
           <p:cNvPr id="5" name="날짜 개체 틀 4">
             <a:extLst>
               <a:ext uri="{FF2B5EF4-FFF2-40B4-BE49-F238E27FC236}">
-                <a16:creationId xmlns="" xmlns:a16="http://schemas.microsoft.com/office/drawing/2014/main" id="{EEDB5EEA-D6DC-4521-8E01-B1BAFE8D6B25}"/>
+                <a16:creationId xmlns:a16="http://schemas.microsoft.com/office/drawing/2014/main" xmlns="" id="{EEDB5EEA-D6DC-4521-8E01-B1BAFE8D6B25}"/>
               </a:ext>
             </a:extLst>
           </p:cNvPr>
@@ -4069,7 +4069,7 @@
           <a:p>
             <a:fld id="{5A7A7AB7-D2BF-4F42-8826-2D80B2CC4253}" type="datetimeFigureOut">
               <a:rPr lang="ko-KR" altLang="en-US" smtClean="0"/>
-              <a:t>2020-11-06</a:t>
+              <a:t>2020-11-16</a:t>
             </a:fld>
             <a:endParaRPr lang="ko-KR" altLang="en-US"/>
           </a:p>
@@ -4080,7 +4080,7 @@
           <p:cNvPr id="6" name="바닥글 개체 틀 5">
             <a:extLst>
               <a:ext uri="{FF2B5EF4-FFF2-40B4-BE49-F238E27FC236}">
-                <a16:creationId xmlns="" xmlns:a16="http://schemas.microsoft.com/office/drawing/2014/main" id="{7FAE66C0-8C4E-4DC2-BCEA-76FEE0549489}"/>
+                <a16:creationId xmlns:a16="http://schemas.microsoft.com/office/drawing/2014/main" xmlns="" id="{7FAE66C0-8C4E-4DC2-BCEA-76FEE0549489}"/>
               </a:ext>
             </a:extLst>
           </p:cNvPr>
@@ -4105,7 +4105,7 @@
           <p:cNvPr id="7" name="슬라이드 번호 개체 틀 6">
             <a:extLst>
               <a:ext uri="{FF2B5EF4-FFF2-40B4-BE49-F238E27FC236}">
-                <a16:creationId xmlns="" xmlns:a16="http://schemas.microsoft.com/office/drawing/2014/main" id="{C0A2AE08-DE99-4BCB-B9CA-EE0C802B5DB6}"/>
+                <a16:creationId xmlns:a16="http://schemas.microsoft.com/office/drawing/2014/main" xmlns="" id="{C0A2AE08-DE99-4BCB-B9CA-EE0C802B5DB6}"/>
               </a:ext>
             </a:extLst>
           </p:cNvPr>
@@ -4169,7 +4169,7 @@
           <p:cNvPr id="2" name="제목 개체 틀 1">
             <a:extLst>
               <a:ext uri="{FF2B5EF4-FFF2-40B4-BE49-F238E27FC236}">
-                <a16:creationId xmlns="" xmlns:a16="http://schemas.microsoft.com/office/drawing/2014/main" id="{9E665669-C52B-4FD2-8DCD-501E99CFACA2}"/>
+                <a16:creationId xmlns:a16="http://schemas.microsoft.com/office/drawing/2014/main" xmlns="" id="{9E665669-C52B-4FD2-8DCD-501E99CFACA2}"/>
               </a:ext>
             </a:extLst>
           </p:cNvPr>
@@ -4207,7 +4207,7 @@
           <p:cNvPr id="3" name="텍스트 개체 틀 2">
             <a:extLst>
               <a:ext uri="{FF2B5EF4-FFF2-40B4-BE49-F238E27FC236}">
-                <a16:creationId xmlns="" xmlns:a16="http://schemas.microsoft.com/office/drawing/2014/main" id="{A80DE4AD-EF63-407B-8678-2C01C1E18631}"/>
+                <a16:creationId xmlns:a16="http://schemas.microsoft.com/office/drawing/2014/main" xmlns="" id="{A80DE4AD-EF63-407B-8678-2C01C1E18631}"/>
               </a:ext>
             </a:extLst>
           </p:cNvPr>
@@ -4274,7 +4274,7 @@
           <p:cNvPr id="4" name="날짜 개체 틀 3">
             <a:extLst>
               <a:ext uri="{FF2B5EF4-FFF2-40B4-BE49-F238E27FC236}">
-                <a16:creationId xmlns="" xmlns:a16="http://schemas.microsoft.com/office/drawing/2014/main" id="{DB3AD54B-3248-4615-87DF-874D9E0AE409}"/>
+                <a16:creationId xmlns:a16="http://schemas.microsoft.com/office/drawing/2014/main" xmlns="" id="{DB3AD54B-3248-4615-87DF-874D9E0AE409}"/>
               </a:ext>
             </a:extLst>
           </p:cNvPr>
@@ -4310,7 +4310,7 @@
           <a:p>
             <a:fld id="{5A7A7AB7-D2BF-4F42-8826-2D80B2CC4253}" type="datetimeFigureOut">
               <a:rPr lang="ko-KR" altLang="en-US" smtClean="0"/>
-              <a:t>2020-11-06</a:t>
+              <a:t>2020-11-16</a:t>
             </a:fld>
             <a:endParaRPr lang="ko-KR" altLang="en-US"/>
           </a:p>
@@ -4321,7 +4321,7 @@
           <p:cNvPr id="5" name="바닥글 개체 틀 4">
             <a:extLst>
               <a:ext uri="{FF2B5EF4-FFF2-40B4-BE49-F238E27FC236}">
-                <a16:creationId xmlns="" xmlns:a16="http://schemas.microsoft.com/office/drawing/2014/main" id="{9B73A57E-8481-43B0-AA81-9554C2B4DE57}"/>
+                <a16:creationId xmlns:a16="http://schemas.microsoft.com/office/drawing/2014/main" xmlns="" id="{9B73A57E-8481-43B0-AA81-9554C2B4DE57}"/>
               </a:ext>
             </a:extLst>
           </p:cNvPr>
@@ -4364,7 +4364,7 @@
           <p:cNvPr id="6" name="슬라이드 번호 개체 틀 5">
             <a:extLst>
               <a:ext uri="{FF2B5EF4-FFF2-40B4-BE49-F238E27FC236}">
-                <a16:creationId xmlns="" xmlns:a16="http://schemas.microsoft.com/office/drawing/2014/main" id="{C197F659-9245-42E1-98E4-FFEB3853ED88}"/>
+                <a16:creationId xmlns:a16="http://schemas.microsoft.com/office/drawing/2014/main" xmlns="" id="{C197F659-9245-42E1-98E4-FFEB3853ED88}"/>
               </a:ext>
             </a:extLst>
           </p:cNvPr>
@@ -4732,7 +4732,7 @@
           <p:cNvPr id="9" name="TextBox 8">
             <a:extLst>
               <a:ext uri="{FF2B5EF4-FFF2-40B4-BE49-F238E27FC236}">
-                <a16:creationId xmlns="" xmlns:a16="http://schemas.microsoft.com/office/drawing/2014/main" id="{D3947105-6879-445D-B76B-D5EFC8256F29}"/>
+                <a16:creationId xmlns:a16="http://schemas.microsoft.com/office/drawing/2014/main" xmlns="" id="{D3947105-6879-445D-B76B-D5EFC8256F29}"/>
               </a:ext>
             </a:extLst>
           </p:cNvPr>
@@ -4770,15 +4770,7 @@
             <a:pPr algn="ctr"/>
             <a:r>
               <a:rPr lang="ko-KR" altLang="en-US" sz="3200" dirty="0" smtClean="0"/>
-              <a:t>예약관리 </a:t>
-            </a:r>
-            <a:r>
-              <a:rPr lang="ko-KR" altLang="en-US" sz="3200" dirty="0" smtClean="0"/>
-              <a:t>플랫폼 </a:t>
-            </a:r>
-            <a:r>
-              <a:rPr lang="ko-KR" altLang="en-US" sz="3200" dirty="0" smtClean="0"/>
-              <a:t>개발</a:t>
+              <a:t>예약관리 플랫폼 개발</a:t>
             </a:r>
             <a:endParaRPr lang="ko-KR" altLang="en-US" sz="3000" dirty="0">
               <a:ln>
@@ -4799,7 +4791,7 @@
           <p:cNvPr id="14" name="TextBox 13">
             <a:extLst>
               <a:ext uri="{FF2B5EF4-FFF2-40B4-BE49-F238E27FC236}">
-                <a16:creationId xmlns="" xmlns:a16="http://schemas.microsoft.com/office/drawing/2014/main" id="{7A9521EC-3235-494C-93F6-585BC9C3B43E}"/>
+                <a16:creationId xmlns:a16="http://schemas.microsoft.com/office/drawing/2014/main" xmlns="" id="{7A9521EC-3235-494C-93F6-585BC9C3B43E}"/>
               </a:ext>
             </a:extLst>
           </p:cNvPr>
@@ -4844,7 +4836,7 @@
           <p:cNvPr id="25" name="그룹 24">
             <a:extLst>
               <a:ext uri="{FF2B5EF4-FFF2-40B4-BE49-F238E27FC236}">
-                <a16:creationId xmlns="" xmlns:a16="http://schemas.microsoft.com/office/drawing/2014/main" id="{1D2D99A6-C3A5-455C-8184-43DACE6D4904}"/>
+                <a16:creationId xmlns:a16="http://schemas.microsoft.com/office/drawing/2014/main" xmlns="" id="{1D2D99A6-C3A5-455C-8184-43DACE6D4904}"/>
               </a:ext>
             </a:extLst>
           </p:cNvPr>
@@ -4864,7 +4856,7 @@
             <p:cNvPr id="5" name="직선 연결선 4">
               <a:extLst>
                 <a:ext uri="{FF2B5EF4-FFF2-40B4-BE49-F238E27FC236}">
-                  <a16:creationId xmlns="" xmlns:a16="http://schemas.microsoft.com/office/drawing/2014/main" id="{F3920279-48F9-42E9-8322-AE444CC499BF}"/>
+                  <a16:creationId xmlns:a16="http://schemas.microsoft.com/office/drawing/2014/main" xmlns="" id="{F3920279-48F9-42E9-8322-AE444CC499BF}"/>
                 </a:ext>
               </a:extLst>
             </p:cNvPr>
@@ -4913,7 +4905,7 @@
             <p:cNvPr id="7" name="직사각형 6">
               <a:extLst>
                 <a:ext uri="{FF2B5EF4-FFF2-40B4-BE49-F238E27FC236}">
-                  <a16:creationId xmlns="" xmlns:a16="http://schemas.microsoft.com/office/drawing/2014/main" id="{54FF5575-BD81-49D6-BF4F-81749C4C22BA}"/>
+                  <a16:creationId xmlns:a16="http://schemas.microsoft.com/office/drawing/2014/main" xmlns="" id="{54FF5575-BD81-49D6-BF4F-81749C4C22BA}"/>
                 </a:ext>
               </a:extLst>
             </p:cNvPr>
@@ -4967,7 +4959,7 @@
             <p:cNvPr id="23" name="직사각형 22">
               <a:extLst>
                 <a:ext uri="{FF2B5EF4-FFF2-40B4-BE49-F238E27FC236}">
-                  <a16:creationId xmlns="" xmlns:a16="http://schemas.microsoft.com/office/drawing/2014/main" id="{036B305E-0F6B-4B99-882A-37313EC9E4AE}"/>
+                  <a16:creationId xmlns:a16="http://schemas.microsoft.com/office/drawing/2014/main" xmlns="" id="{036B305E-0F6B-4B99-882A-37313EC9E4AE}"/>
                 </a:ext>
               </a:extLst>
             </p:cNvPr>
@@ -5022,7 +5014,7 @@
           <p:cNvPr id="10" name="부제목 2">
             <a:extLst>
               <a:ext uri="{FF2B5EF4-FFF2-40B4-BE49-F238E27FC236}">
-                <a16:creationId xmlns="" xmlns:a16="http://schemas.microsoft.com/office/drawing/2014/main" id="{F2437401-FDCF-4FF6-AD77-0A1E6EB7C587}"/>
+                <a16:creationId xmlns:a16="http://schemas.microsoft.com/office/drawing/2014/main" xmlns="" id="{F2437401-FDCF-4FF6-AD77-0A1E6EB7C587}"/>
               </a:ext>
             </a:extLst>
           </p:cNvPr>
@@ -5041,27 +5033,12 @@
         </p:spPr>
         <p:txBody>
           <a:bodyPr>
-            <a:normAutofit fontScale="77500" lnSpcReduction="20000"/>
+            <a:normAutofit/>
           </a:bodyPr>
           <a:lstStyle/>
           <a:p>
             <a:r>
-              <a:rPr lang="en-US" altLang="ko-KR" dirty="0"/>
-              <a:t>20142257 </a:t>
-            </a:r>
-            <a:r>
-              <a:rPr lang="ko-KR" altLang="en-US" dirty="0"/>
-              <a:t>최승재</a:t>
-            </a:r>
-            <a:endParaRPr lang="en-US" altLang="ko-KR" dirty="0"/>
-          </a:p>
-          <a:p>
-            <a:r>
-              <a:rPr lang="en-US" altLang="ko-KR" dirty="0"/>
-              <a:t>20142275 </a:t>
-            </a:r>
-            <a:r>
-              <a:rPr lang="ko-KR" altLang="en-US" dirty="0" err="1"/>
+              <a:rPr lang="ko-KR" altLang="en-US" dirty="0" smtClean="0"/>
               <a:t>한창록</a:t>
             </a:r>
             <a:endParaRPr lang="ko-KR" altLang="en-US" dirty="0"/>
@@ -5078,13 +5055,13 @@
   <p:clrMapOvr>
     <a:masterClrMapping/>
   </p:clrMapOvr>
-  <mc:AlternateContent xmlns:mc="http://schemas.openxmlformats.org/markup-compatibility/2006">
-    <mc:Choice xmlns:p14="http://schemas.microsoft.com/office/powerpoint/2010/main" Requires="p14">
+  <mc:AlternateContent xmlns:mc="http://schemas.openxmlformats.org/markup-compatibility/2006" xmlns:p14="http://schemas.microsoft.com/office/powerpoint/2010/main">
+    <mc:Choice Requires="p14">
       <p:transition spd="med" p14:dur="700">
         <p:fade/>
       </p:transition>
     </mc:Choice>
-    <mc:Fallback>
+    <mc:Fallback xmlns="">
       <p:transition spd="med">
         <p:fade/>
       </p:transition>
@@ -5122,7 +5099,7 @@
           <p:cNvPr id="17" name="그림 16">
             <a:extLst>
               <a:ext uri="{FF2B5EF4-FFF2-40B4-BE49-F238E27FC236}">
-                <a16:creationId xmlns="" xmlns:a16="http://schemas.microsoft.com/office/drawing/2014/main" id="{A4AF8BF9-98C8-45C7-9D26-49893A0773FD}"/>
+                <a16:creationId xmlns:a16="http://schemas.microsoft.com/office/drawing/2014/main" xmlns="" id="{A4AF8BF9-98C8-45C7-9D26-49893A0773FD}"/>
               </a:ext>
             </a:extLst>
           </p:cNvPr>
@@ -5152,7 +5129,7 @@
           <p:cNvPr id="2" name="제목 1">
             <a:extLst>
               <a:ext uri="{FF2B5EF4-FFF2-40B4-BE49-F238E27FC236}">
-                <a16:creationId xmlns="" xmlns:a16="http://schemas.microsoft.com/office/drawing/2014/main" id="{7CF6743E-992C-46DD-9F50-F20C68F072FB}"/>
+                <a16:creationId xmlns:a16="http://schemas.microsoft.com/office/drawing/2014/main" xmlns="" id="{7CF6743E-992C-46DD-9F50-F20C68F072FB}"/>
               </a:ext>
             </a:extLst>
           </p:cNvPr>
@@ -5185,7 +5162,7 @@
           <p:cNvPr id="4" name="내용 개체 틀 3">
             <a:extLst>
               <a:ext uri="{FF2B5EF4-FFF2-40B4-BE49-F238E27FC236}">
-                <a16:creationId xmlns="" xmlns:a16="http://schemas.microsoft.com/office/drawing/2014/main" id="{47634925-310A-4898-9062-7813E15FB618}"/>
+                <a16:creationId xmlns:a16="http://schemas.microsoft.com/office/drawing/2014/main" xmlns="" id="{47634925-310A-4898-9062-7813E15FB618}"/>
               </a:ext>
             </a:extLst>
           </p:cNvPr>
@@ -5379,7 +5356,7 @@
           <p:cNvPr id="11" name="그림 10">
             <a:extLst>
               <a:ext uri="{FF2B5EF4-FFF2-40B4-BE49-F238E27FC236}">
-                <a16:creationId xmlns="" xmlns:a16="http://schemas.microsoft.com/office/drawing/2014/main" id="{A4E908D7-55B4-4631-8EBA-A51012DBC690}"/>
+                <a16:creationId xmlns:a16="http://schemas.microsoft.com/office/drawing/2014/main" xmlns="" id="{A4E908D7-55B4-4631-8EBA-A51012DBC690}"/>
               </a:ext>
             </a:extLst>
           </p:cNvPr>
@@ -5409,7 +5386,7 @@
           <p:cNvPr id="13" name="직사각형 12">
             <a:extLst>
               <a:ext uri="{FF2B5EF4-FFF2-40B4-BE49-F238E27FC236}">
-                <a16:creationId xmlns="" xmlns:a16="http://schemas.microsoft.com/office/drawing/2014/main" id="{ABA1474E-5090-494E-B6FE-848DB1150827}"/>
+                <a16:creationId xmlns:a16="http://schemas.microsoft.com/office/drawing/2014/main" xmlns="" id="{ABA1474E-5090-494E-B6FE-848DB1150827}"/>
               </a:ext>
             </a:extLst>
           </p:cNvPr>
@@ -5461,7 +5438,7 @@
           <p:cNvPr id="7" name="직사각형 6">
             <a:extLst>
               <a:ext uri="{FF2B5EF4-FFF2-40B4-BE49-F238E27FC236}">
-                <a16:creationId xmlns="" xmlns:a16="http://schemas.microsoft.com/office/drawing/2014/main" id="{ABA1474E-5090-494E-B6FE-848DB1150827}"/>
+                <a16:creationId xmlns:a16="http://schemas.microsoft.com/office/drawing/2014/main" xmlns="" id="{ABA1474E-5090-494E-B6FE-848DB1150827}"/>
               </a:ext>
             </a:extLst>
           </p:cNvPr>
@@ -5513,7 +5490,7 @@
           <p:cNvPr id="8" name="직사각형 7">
             <a:extLst>
               <a:ext uri="{FF2B5EF4-FFF2-40B4-BE49-F238E27FC236}">
-                <a16:creationId xmlns="" xmlns:a16="http://schemas.microsoft.com/office/drawing/2014/main" id="{ABA1474E-5090-494E-B6FE-848DB1150827}"/>
+                <a16:creationId xmlns:a16="http://schemas.microsoft.com/office/drawing/2014/main" xmlns="" id="{ABA1474E-5090-494E-B6FE-848DB1150827}"/>
               </a:ext>
             </a:extLst>
           </p:cNvPr>
@@ -5570,13 +5547,13 @@
   <p:clrMapOvr>
     <a:masterClrMapping/>
   </p:clrMapOvr>
-  <mc:AlternateContent xmlns:mc="http://schemas.openxmlformats.org/markup-compatibility/2006">
-    <mc:Choice xmlns:p14="http://schemas.microsoft.com/office/powerpoint/2010/main" Requires="p14">
+  <mc:AlternateContent xmlns:mc="http://schemas.openxmlformats.org/markup-compatibility/2006" xmlns:p14="http://schemas.microsoft.com/office/powerpoint/2010/main">
+    <mc:Choice Requires="p14">
       <p:transition spd="med" p14:dur="700">
         <p:fade/>
       </p:transition>
     </mc:Choice>
-    <mc:Fallback>
+    <mc:Fallback xmlns="">
       <p:transition spd="med">
         <p:fade/>
       </p:transition>
@@ -5614,7 +5591,7 @@
           <p:cNvPr id="3" name="그림 2">
             <a:extLst>
               <a:ext uri="{FF2B5EF4-FFF2-40B4-BE49-F238E27FC236}">
-                <a16:creationId xmlns="" xmlns:a16="http://schemas.microsoft.com/office/drawing/2014/main" id="{42049DCE-E0E0-481F-9948-EFB4487A5D48}"/>
+                <a16:creationId xmlns:a16="http://schemas.microsoft.com/office/drawing/2014/main" xmlns="" id="{42049DCE-E0E0-481F-9948-EFB4487A5D48}"/>
               </a:ext>
             </a:extLst>
           </p:cNvPr>
@@ -5644,7 +5621,7 @@
           <p:cNvPr id="4" name="그림 3">
             <a:extLst>
               <a:ext uri="{FF2B5EF4-FFF2-40B4-BE49-F238E27FC236}">
-                <a16:creationId xmlns="" xmlns:a16="http://schemas.microsoft.com/office/drawing/2014/main" id="{2076037E-89AB-4100-825C-366318CD05AE}"/>
+                <a16:creationId xmlns:a16="http://schemas.microsoft.com/office/drawing/2014/main" xmlns="" id="{2076037E-89AB-4100-825C-366318CD05AE}"/>
               </a:ext>
             </a:extLst>
           </p:cNvPr>
@@ -5674,7 +5651,7 @@
           <p:cNvPr id="2" name="제목 1">
             <a:extLst>
               <a:ext uri="{FF2B5EF4-FFF2-40B4-BE49-F238E27FC236}">
-                <a16:creationId xmlns="" xmlns:a16="http://schemas.microsoft.com/office/drawing/2014/main" id="{7CF6743E-992C-46DD-9F50-F20C68F072FB}"/>
+                <a16:creationId xmlns:a16="http://schemas.microsoft.com/office/drawing/2014/main" xmlns="" id="{7CF6743E-992C-46DD-9F50-F20C68F072FB}"/>
               </a:ext>
             </a:extLst>
           </p:cNvPr>
@@ -5702,7 +5679,7 @@
           <p:cNvPr id="5" name="내용 개체 틀 3">
             <a:extLst>
               <a:ext uri="{FF2B5EF4-FFF2-40B4-BE49-F238E27FC236}">
-                <a16:creationId xmlns="" xmlns:a16="http://schemas.microsoft.com/office/drawing/2014/main" id="{C2CE6F5A-4F1E-48B2-9CB5-E80FA91BE5BE}"/>
+                <a16:creationId xmlns:a16="http://schemas.microsoft.com/office/drawing/2014/main" xmlns="" id="{C2CE6F5A-4F1E-48B2-9CB5-E80FA91BE5BE}"/>
               </a:ext>
             </a:extLst>
           </p:cNvPr>
@@ -5900,7 +5877,7 @@
           <p:cNvPr id="7" name="그림 6">
             <a:extLst>
               <a:ext uri="{FF2B5EF4-FFF2-40B4-BE49-F238E27FC236}">
-                <a16:creationId xmlns="" xmlns:a16="http://schemas.microsoft.com/office/drawing/2014/main" id="{258A3AF3-DE28-4EE0-BFBA-6F962B881ECA}"/>
+                <a16:creationId xmlns:a16="http://schemas.microsoft.com/office/drawing/2014/main" xmlns="" id="{258A3AF3-DE28-4EE0-BFBA-6F962B881ECA}"/>
               </a:ext>
             </a:extLst>
           </p:cNvPr>
@@ -5940,7 +5917,7 @@
           <p:cNvPr id="9" name="직사각형 8">
             <a:extLst>
               <a:ext uri="{FF2B5EF4-FFF2-40B4-BE49-F238E27FC236}">
-                <a16:creationId xmlns="" xmlns:a16="http://schemas.microsoft.com/office/drawing/2014/main" id="{DF1F9644-887E-40DF-AD46-93F3F60956E8}"/>
+                <a16:creationId xmlns:a16="http://schemas.microsoft.com/office/drawing/2014/main" xmlns="" id="{DF1F9644-887E-40DF-AD46-93F3F60956E8}"/>
               </a:ext>
             </a:extLst>
           </p:cNvPr>
@@ -5992,7 +5969,7 @@
           <p:cNvPr id="10" name="직사각형 9">
             <a:extLst>
               <a:ext uri="{FF2B5EF4-FFF2-40B4-BE49-F238E27FC236}">
-                <a16:creationId xmlns="" xmlns:a16="http://schemas.microsoft.com/office/drawing/2014/main" id="{B56DB138-24D9-4727-B010-1582D478E7A0}"/>
+                <a16:creationId xmlns:a16="http://schemas.microsoft.com/office/drawing/2014/main" xmlns="" id="{B56DB138-24D9-4727-B010-1582D478E7A0}"/>
               </a:ext>
             </a:extLst>
           </p:cNvPr>
@@ -6044,7 +6021,7 @@
           <p:cNvPr id="11" name="직사각형 10">
             <a:extLst>
               <a:ext uri="{FF2B5EF4-FFF2-40B4-BE49-F238E27FC236}">
-                <a16:creationId xmlns="" xmlns:a16="http://schemas.microsoft.com/office/drawing/2014/main" id="{5C26542F-59AB-4D69-A7DB-108CB44E79B8}"/>
+                <a16:creationId xmlns:a16="http://schemas.microsoft.com/office/drawing/2014/main" xmlns="" id="{5C26542F-59AB-4D69-A7DB-108CB44E79B8}"/>
               </a:ext>
             </a:extLst>
           </p:cNvPr>
@@ -6096,7 +6073,7 @@
           <p:cNvPr id="13" name="직사각형 12">
             <a:extLst>
               <a:ext uri="{FF2B5EF4-FFF2-40B4-BE49-F238E27FC236}">
-                <a16:creationId xmlns="" xmlns:a16="http://schemas.microsoft.com/office/drawing/2014/main" id="{0B5F51BA-528B-4CE5-9D27-6DB2C6453A9F}"/>
+                <a16:creationId xmlns:a16="http://schemas.microsoft.com/office/drawing/2014/main" xmlns="" id="{0B5F51BA-528B-4CE5-9D27-6DB2C6453A9F}"/>
               </a:ext>
             </a:extLst>
           </p:cNvPr>
@@ -6148,7 +6125,7 @@
           <p:cNvPr id="14" name="직사각형 13">
             <a:extLst>
               <a:ext uri="{FF2B5EF4-FFF2-40B4-BE49-F238E27FC236}">
-                <a16:creationId xmlns="" xmlns:a16="http://schemas.microsoft.com/office/drawing/2014/main" id="{E3ADF48A-17DB-43A5-9751-E11C509D70EB}"/>
+                <a16:creationId xmlns:a16="http://schemas.microsoft.com/office/drawing/2014/main" xmlns="" id="{E3ADF48A-17DB-43A5-9751-E11C509D70EB}"/>
               </a:ext>
             </a:extLst>
           </p:cNvPr>
@@ -6200,7 +6177,7 @@
           <p:cNvPr id="16" name="직사각형 15">
             <a:extLst>
               <a:ext uri="{FF2B5EF4-FFF2-40B4-BE49-F238E27FC236}">
-                <a16:creationId xmlns="" xmlns:a16="http://schemas.microsoft.com/office/drawing/2014/main" id="{60FA740F-311D-4114-998D-557ABE63A0BB}"/>
+                <a16:creationId xmlns:a16="http://schemas.microsoft.com/office/drawing/2014/main" xmlns="" id="{60FA740F-311D-4114-998D-557ABE63A0BB}"/>
               </a:ext>
             </a:extLst>
           </p:cNvPr>
@@ -6295,13 +6272,13 @@
   <p:clrMapOvr>
     <a:masterClrMapping/>
   </p:clrMapOvr>
-  <mc:AlternateContent xmlns:mc="http://schemas.openxmlformats.org/markup-compatibility/2006">
-    <mc:Choice xmlns:p14="http://schemas.microsoft.com/office/powerpoint/2010/main" Requires="p14">
+  <mc:AlternateContent xmlns:mc="http://schemas.openxmlformats.org/markup-compatibility/2006" xmlns:p14="http://schemas.microsoft.com/office/powerpoint/2010/main">
+    <mc:Choice Requires="p14">
       <p:transition spd="med" p14:dur="700">
         <p:fade/>
       </p:transition>
     </mc:Choice>
-    <mc:Fallback>
+    <mc:Fallback xmlns="">
       <p:transition spd="med">
         <p:fade/>
       </p:transition>
@@ -6339,7 +6316,7 @@
           <p:cNvPr id="2" name="제목 1">
             <a:extLst>
               <a:ext uri="{FF2B5EF4-FFF2-40B4-BE49-F238E27FC236}">
-                <a16:creationId xmlns="" xmlns:a16="http://schemas.microsoft.com/office/drawing/2014/main" id="{7CF6743E-992C-46DD-9F50-F20C68F072FB}"/>
+                <a16:creationId xmlns:a16="http://schemas.microsoft.com/office/drawing/2014/main" xmlns="" id="{7CF6743E-992C-46DD-9F50-F20C68F072FB}"/>
               </a:ext>
             </a:extLst>
           </p:cNvPr>
@@ -6369,7 +6346,7 @@
           <p:cNvPr id="4" name="내용 개체 틀 3">
             <a:extLst>
               <a:ext uri="{FF2B5EF4-FFF2-40B4-BE49-F238E27FC236}">
-                <a16:creationId xmlns="" xmlns:a16="http://schemas.microsoft.com/office/drawing/2014/main" id="{47634925-310A-4898-9062-7813E15FB618}"/>
+                <a16:creationId xmlns:a16="http://schemas.microsoft.com/office/drawing/2014/main" xmlns="" id="{47634925-310A-4898-9062-7813E15FB618}"/>
               </a:ext>
             </a:extLst>
           </p:cNvPr>
@@ -6563,7 +6540,7 @@
           <p:cNvPr id="5" name="내용 개체 틀 3">
             <a:extLst>
               <a:ext uri="{FF2B5EF4-FFF2-40B4-BE49-F238E27FC236}">
-                <a16:creationId xmlns="" xmlns:a16="http://schemas.microsoft.com/office/drawing/2014/main" id="{BEB8E040-D6B3-426C-A965-1257BAA7E25D}"/>
+                <a16:creationId xmlns:a16="http://schemas.microsoft.com/office/drawing/2014/main" xmlns="" id="{BEB8E040-D6B3-426C-A965-1257BAA7E25D}"/>
               </a:ext>
             </a:extLst>
           </p:cNvPr>
@@ -6768,7 +6745,7 @@
           <p:cNvPr id="7" name="그림 6">
             <a:extLst>
               <a:ext uri="{FF2B5EF4-FFF2-40B4-BE49-F238E27FC236}">
-                <a16:creationId xmlns="" xmlns:a16="http://schemas.microsoft.com/office/drawing/2014/main" id="{526B480B-3662-4AE2-9F19-5400E791A603}"/>
+                <a16:creationId xmlns:a16="http://schemas.microsoft.com/office/drawing/2014/main" xmlns="" id="{526B480B-3662-4AE2-9F19-5400E791A603}"/>
               </a:ext>
             </a:extLst>
           </p:cNvPr>
@@ -6798,7 +6775,7 @@
           <p:cNvPr id="8" name="직사각형 7">
             <a:extLst>
               <a:ext uri="{FF2B5EF4-FFF2-40B4-BE49-F238E27FC236}">
-                <a16:creationId xmlns="" xmlns:a16="http://schemas.microsoft.com/office/drawing/2014/main" id="{D1ACAF7F-AA7C-4F02-AC1B-601A9031A6ED}"/>
+                <a16:creationId xmlns:a16="http://schemas.microsoft.com/office/drawing/2014/main" xmlns="" id="{D1ACAF7F-AA7C-4F02-AC1B-601A9031A6ED}"/>
               </a:ext>
             </a:extLst>
           </p:cNvPr>
@@ -6850,7 +6827,7 @@
           <p:cNvPr id="6" name="그림 5">
             <a:extLst>
               <a:ext uri="{FF2B5EF4-FFF2-40B4-BE49-F238E27FC236}">
-                <a16:creationId xmlns="" xmlns:a16="http://schemas.microsoft.com/office/drawing/2014/main" id="{20E63CED-8857-43BF-98F8-11FC29C728F5}"/>
+                <a16:creationId xmlns:a16="http://schemas.microsoft.com/office/drawing/2014/main" xmlns="" id="{20E63CED-8857-43BF-98F8-11FC29C728F5}"/>
               </a:ext>
             </a:extLst>
           </p:cNvPr>
@@ -6880,7 +6857,7 @@
           <p:cNvPr id="9" name="그림 8">
             <a:extLst>
               <a:ext uri="{FF2B5EF4-FFF2-40B4-BE49-F238E27FC236}">
-                <a16:creationId xmlns="" xmlns:a16="http://schemas.microsoft.com/office/drawing/2014/main" id="{CE826B53-B4C0-4C42-B887-094B0E3FF0AF}"/>
+                <a16:creationId xmlns:a16="http://schemas.microsoft.com/office/drawing/2014/main" xmlns="" id="{CE826B53-B4C0-4C42-B887-094B0E3FF0AF}"/>
               </a:ext>
             </a:extLst>
           </p:cNvPr>
@@ -6915,7 +6892,7 @@
           <p:cNvPr id="10" name="그림 9">
             <a:extLst>
               <a:ext uri="{FF2B5EF4-FFF2-40B4-BE49-F238E27FC236}">
-                <a16:creationId xmlns="" xmlns:a16="http://schemas.microsoft.com/office/drawing/2014/main" id="{C7C3FDE4-3C24-4B68-AC12-857EC535ED3A}"/>
+                <a16:creationId xmlns:a16="http://schemas.microsoft.com/office/drawing/2014/main" xmlns="" id="{C7C3FDE4-3C24-4B68-AC12-857EC535ED3A}"/>
               </a:ext>
             </a:extLst>
           </p:cNvPr>
@@ -7028,7 +7005,7 @@
           <p:cNvPr id="14" name="직사각형 13">
             <a:extLst>
               <a:ext uri="{FF2B5EF4-FFF2-40B4-BE49-F238E27FC236}">
-                <a16:creationId xmlns="" xmlns:a16="http://schemas.microsoft.com/office/drawing/2014/main" id="{D1ACAF7F-AA7C-4F02-AC1B-601A9031A6ED}"/>
+                <a16:creationId xmlns:a16="http://schemas.microsoft.com/office/drawing/2014/main" xmlns="" id="{D1ACAF7F-AA7C-4F02-AC1B-601A9031A6ED}"/>
               </a:ext>
             </a:extLst>
           </p:cNvPr>
@@ -7085,13 +7062,13 @@
   <p:clrMapOvr>
     <a:masterClrMapping/>
   </p:clrMapOvr>
-  <mc:AlternateContent xmlns:mc="http://schemas.openxmlformats.org/markup-compatibility/2006">
-    <mc:Choice xmlns:p14="http://schemas.microsoft.com/office/powerpoint/2010/main" Requires="p14">
+  <mc:AlternateContent xmlns:mc="http://schemas.openxmlformats.org/markup-compatibility/2006" xmlns:p14="http://schemas.microsoft.com/office/powerpoint/2010/main">
+    <mc:Choice Requires="p14">
       <p:transition spd="med" p14:dur="700">
         <p:fade/>
       </p:transition>
     </mc:Choice>
-    <mc:Fallback>
+    <mc:Fallback xmlns="">
       <p:transition spd="med">
         <p:fade/>
       </p:transition>
@@ -7129,7 +7106,7 @@
           <p:cNvPr id="2" name="제목 1">
             <a:extLst>
               <a:ext uri="{FF2B5EF4-FFF2-40B4-BE49-F238E27FC236}">
-                <a16:creationId xmlns="" xmlns:a16="http://schemas.microsoft.com/office/drawing/2014/main" id="{7CF6743E-992C-46DD-9F50-F20C68F072FB}"/>
+                <a16:creationId xmlns:a16="http://schemas.microsoft.com/office/drawing/2014/main" xmlns="" id="{7CF6743E-992C-46DD-9F50-F20C68F072FB}"/>
               </a:ext>
             </a:extLst>
           </p:cNvPr>
@@ -7163,7 +7140,7 @@
           <p:cNvPr id="4" name="내용 개체 틀 3">
             <a:extLst>
               <a:ext uri="{FF2B5EF4-FFF2-40B4-BE49-F238E27FC236}">
-                <a16:creationId xmlns="" xmlns:a16="http://schemas.microsoft.com/office/drawing/2014/main" id="{47634925-310A-4898-9062-7813E15FB618}"/>
+                <a16:creationId xmlns:a16="http://schemas.microsoft.com/office/drawing/2014/main" xmlns="" id="{47634925-310A-4898-9062-7813E15FB618}"/>
               </a:ext>
             </a:extLst>
           </p:cNvPr>
@@ -7357,7 +7334,7 @@
           <p:cNvPr id="5" name="내용 개체 틀 3">
             <a:extLst>
               <a:ext uri="{FF2B5EF4-FFF2-40B4-BE49-F238E27FC236}">
-                <a16:creationId xmlns="" xmlns:a16="http://schemas.microsoft.com/office/drawing/2014/main" id="{BEB8E040-D6B3-426C-A965-1257BAA7E25D}"/>
+                <a16:creationId xmlns:a16="http://schemas.microsoft.com/office/drawing/2014/main" xmlns="" id="{BEB8E040-D6B3-426C-A965-1257BAA7E25D}"/>
               </a:ext>
             </a:extLst>
           </p:cNvPr>
@@ -7562,7 +7539,7 @@
           <p:cNvPr id="8" name="그림 7">
             <a:extLst>
               <a:ext uri="{FF2B5EF4-FFF2-40B4-BE49-F238E27FC236}">
-                <a16:creationId xmlns="" xmlns:a16="http://schemas.microsoft.com/office/drawing/2014/main" id="{56F1495A-2096-4CBE-A7D6-2F36C0F95A03}"/>
+                <a16:creationId xmlns:a16="http://schemas.microsoft.com/office/drawing/2014/main" xmlns="" id="{56F1495A-2096-4CBE-A7D6-2F36C0F95A03}"/>
               </a:ext>
             </a:extLst>
           </p:cNvPr>
@@ -7592,7 +7569,7 @@
           <p:cNvPr id="7" name="직사각형 6">
             <a:extLst>
               <a:ext uri="{FF2B5EF4-FFF2-40B4-BE49-F238E27FC236}">
-                <a16:creationId xmlns="" xmlns:a16="http://schemas.microsoft.com/office/drawing/2014/main" id="{6445EAD8-C5C7-4949-A21F-3AB2B28D4B58}"/>
+                <a16:creationId xmlns:a16="http://schemas.microsoft.com/office/drawing/2014/main" xmlns="" id="{6445EAD8-C5C7-4949-A21F-3AB2B28D4B58}"/>
               </a:ext>
             </a:extLst>
           </p:cNvPr>
@@ -7644,7 +7621,7 @@
           <p:cNvPr id="9" name="그림 8">
             <a:extLst>
               <a:ext uri="{FF2B5EF4-FFF2-40B4-BE49-F238E27FC236}">
-                <a16:creationId xmlns="" xmlns:a16="http://schemas.microsoft.com/office/drawing/2014/main" id="{EDE4BC8A-BC42-4374-9AC3-79B55FDF7EA7}"/>
+                <a16:creationId xmlns:a16="http://schemas.microsoft.com/office/drawing/2014/main" xmlns="" id="{EDE4BC8A-BC42-4374-9AC3-79B55FDF7EA7}"/>
               </a:ext>
             </a:extLst>
           </p:cNvPr>
@@ -7679,7 +7656,7 @@
           <p:cNvPr id="10" name="직사각형 9">
             <a:extLst>
               <a:ext uri="{FF2B5EF4-FFF2-40B4-BE49-F238E27FC236}">
-                <a16:creationId xmlns="" xmlns:a16="http://schemas.microsoft.com/office/drawing/2014/main" id="{4A574486-DC4E-47DE-98C8-0015BD74A573}"/>
+                <a16:creationId xmlns:a16="http://schemas.microsoft.com/office/drawing/2014/main" xmlns="" id="{4A574486-DC4E-47DE-98C8-0015BD74A573}"/>
               </a:ext>
             </a:extLst>
           </p:cNvPr>
@@ -7731,7 +7708,7 @@
           <p:cNvPr id="11" name="직사각형 10">
             <a:extLst>
               <a:ext uri="{FF2B5EF4-FFF2-40B4-BE49-F238E27FC236}">
-                <a16:creationId xmlns="" xmlns:a16="http://schemas.microsoft.com/office/drawing/2014/main" id="{3D2C39C8-C16A-414A-BB6F-D9D428122C39}"/>
+                <a16:creationId xmlns:a16="http://schemas.microsoft.com/office/drawing/2014/main" xmlns="" id="{3D2C39C8-C16A-414A-BB6F-D9D428122C39}"/>
               </a:ext>
             </a:extLst>
           </p:cNvPr>
@@ -7827,13 +7804,13 @@
   <p:clrMapOvr>
     <a:masterClrMapping/>
   </p:clrMapOvr>
-  <mc:AlternateContent xmlns:mc="http://schemas.openxmlformats.org/markup-compatibility/2006">
-    <mc:Choice xmlns:p14="http://schemas.microsoft.com/office/powerpoint/2010/main" Requires="p14">
+  <mc:AlternateContent xmlns:mc="http://schemas.openxmlformats.org/markup-compatibility/2006" xmlns:p14="http://schemas.microsoft.com/office/powerpoint/2010/main">
+    <mc:Choice Requires="p14">
       <p:transition spd="med" p14:dur="700">
         <p:fade/>
       </p:transition>
     </mc:Choice>
-    <mc:Fallback>
+    <mc:Fallback xmlns="">
       <p:transition spd="med">
         <p:fade/>
       </p:transition>
@@ -7871,7 +7848,7 @@
           <p:cNvPr id="2" name="제목 1">
             <a:extLst>
               <a:ext uri="{FF2B5EF4-FFF2-40B4-BE49-F238E27FC236}">
-                <a16:creationId xmlns="" xmlns:a16="http://schemas.microsoft.com/office/drawing/2014/main" id="{7CF6743E-992C-46DD-9F50-F20C68F072FB}"/>
+                <a16:creationId xmlns:a16="http://schemas.microsoft.com/office/drawing/2014/main" xmlns="" id="{7CF6743E-992C-46DD-9F50-F20C68F072FB}"/>
               </a:ext>
             </a:extLst>
           </p:cNvPr>
@@ -7899,7 +7876,7 @@
           <p:cNvPr id="4" name="내용 개체 틀 3">
             <a:extLst>
               <a:ext uri="{FF2B5EF4-FFF2-40B4-BE49-F238E27FC236}">
-                <a16:creationId xmlns="" xmlns:a16="http://schemas.microsoft.com/office/drawing/2014/main" id="{47634925-310A-4898-9062-7813E15FB618}"/>
+                <a16:creationId xmlns:a16="http://schemas.microsoft.com/office/drawing/2014/main" xmlns="" id="{47634925-310A-4898-9062-7813E15FB618}"/>
               </a:ext>
             </a:extLst>
           </p:cNvPr>
@@ -8093,7 +8070,7 @@
           <p:cNvPr id="5" name="내용 개체 틀 3">
             <a:extLst>
               <a:ext uri="{FF2B5EF4-FFF2-40B4-BE49-F238E27FC236}">
-                <a16:creationId xmlns="" xmlns:a16="http://schemas.microsoft.com/office/drawing/2014/main" id="{BEB8E040-D6B3-426C-A965-1257BAA7E25D}"/>
+                <a16:creationId xmlns:a16="http://schemas.microsoft.com/office/drawing/2014/main" xmlns="" id="{BEB8E040-D6B3-426C-A965-1257BAA7E25D}"/>
               </a:ext>
             </a:extLst>
           </p:cNvPr>
@@ -8335,7 +8312,7 @@
           <p:cNvPr id="2" name="제목 1">
             <a:extLst>
               <a:ext uri="{FF2B5EF4-FFF2-40B4-BE49-F238E27FC236}">
-                <a16:creationId xmlns="" xmlns:a16="http://schemas.microsoft.com/office/drawing/2014/main" id="{C8271E74-A209-40CF-85BB-6A2F96806A84}"/>
+                <a16:creationId xmlns:a16="http://schemas.microsoft.com/office/drawing/2014/main" xmlns="" id="{C8271E74-A209-40CF-85BB-6A2F96806A84}"/>
               </a:ext>
             </a:extLst>
           </p:cNvPr>
@@ -8441,7 +8418,7 @@
           <p:cNvPr id="2" name="TextBox 1">
             <a:extLst>
               <a:ext uri="{FF2B5EF4-FFF2-40B4-BE49-F238E27FC236}">
-                <a16:creationId xmlns="" xmlns:a16="http://schemas.microsoft.com/office/drawing/2014/main" id="{008E62C0-14A1-4A12-B41E-13F0E87755BC}"/>
+                <a16:creationId xmlns:a16="http://schemas.microsoft.com/office/drawing/2014/main" xmlns="" id="{008E62C0-14A1-4A12-B41E-13F0E87755BC}"/>
               </a:ext>
             </a:extLst>
           </p:cNvPr>
@@ -8497,7 +8474,7 @@
           <p:cNvPr id="17" name="직사각형 16">
             <a:extLst>
               <a:ext uri="{FF2B5EF4-FFF2-40B4-BE49-F238E27FC236}">
-                <a16:creationId xmlns="" xmlns:a16="http://schemas.microsoft.com/office/drawing/2014/main" id="{21582EED-4CEF-4332-AD6E-3A0DE847DFC5}"/>
+                <a16:creationId xmlns:a16="http://schemas.microsoft.com/office/drawing/2014/main" xmlns="" id="{21582EED-4CEF-4332-AD6E-3A0DE847DFC5}"/>
               </a:ext>
             </a:extLst>
           </p:cNvPr>
@@ -8549,7 +8526,7 @@
           <p:cNvPr id="18" name="TextBox 17">
             <a:extLst>
               <a:ext uri="{FF2B5EF4-FFF2-40B4-BE49-F238E27FC236}">
-                <a16:creationId xmlns="" xmlns:a16="http://schemas.microsoft.com/office/drawing/2014/main" id="{D7B7EE40-BAD9-4569-9BF6-F6E9ACA78A3C}"/>
+                <a16:creationId xmlns:a16="http://schemas.microsoft.com/office/drawing/2014/main" xmlns="" id="{D7B7EE40-BAD9-4569-9BF6-F6E9ACA78A3C}"/>
               </a:ext>
             </a:extLst>
           </p:cNvPr>
@@ -8598,7 +8575,7 @@
           <p:cNvPr id="21" name="TextBox 20">
             <a:extLst>
               <a:ext uri="{FF2B5EF4-FFF2-40B4-BE49-F238E27FC236}">
-                <a16:creationId xmlns="" xmlns:a16="http://schemas.microsoft.com/office/drawing/2014/main" id="{899189D7-8C56-435A-8DD9-504E21564A52}"/>
+                <a16:creationId xmlns:a16="http://schemas.microsoft.com/office/drawing/2014/main" xmlns="" id="{899189D7-8C56-435A-8DD9-504E21564A52}"/>
               </a:ext>
             </a:extLst>
           </p:cNvPr>
@@ -8647,7 +8624,7 @@
           <p:cNvPr id="8" name="TextBox 7">
             <a:extLst>
               <a:ext uri="{FF2B5EF4-FFF2-40B4-BE49-F238E27FC236}">
-                <a16:creationId xmlns="" xmlns:a16="http://schemas.microsoft.com/office/drawing/2014/main" id="{B658D72A-A786-4AF3-A840-008ED4AFA1C3}"/>
+                <a16:creationId xmlns:a16="http://schemas.microsoft.com/office/drawing/2014/main" xmlns="" id="{B658D72A-A786-4AF3-A840-008ED4AFA1C3}"/>
               </a:ext>
             </a:extLst>
           </p:cNvPr>
@@ -8696,7 +8673,7 @@
           <p:cNvPr id="9" name="TextBox 8">
             <a:extLst>
               <a:ext uri="{FF2B5EF4-FFF2-40B4-BE49-F238E27FC236}">
-                <a16:creationId xmlns="" xmlns:a16="http://schemas.microsoft.com/office/drawing/2014/main" id="{44928B4D-C9FA-48AF-9F12-628C879C38AD}"/>
+                <a16:creationId xmlns:a16="http://schemas.microsoft.com/office/drawing/2014/main" xmlns="" id="{44928B4D-C9FA-48AF-9F12-628C879C38AD}"/>
               </a:ext>
             </a:extLst>
           </p:cNvPr>
@@ -8756,7 +8733,7 @@
           <p:cNvPr id="10" name="TextBox 9">
             <a:extLst>
               <a:ext uri="{FF2B5EF4-FFF2-40B4-BE49-F238E27FC236}">
-                <a16:creationId xmlns="" xmlns:a16="http://schemas.microsoft.com/office/drawing/2014/main" id="{6A41EF96-34C4-40D7-BC84-D345FF61F9EC}"/>
+                <a16:creationId xmlns:a16="http://schemas.microsoft.com/office/drawing/2014/main" xmlns="" id="{6A41EF96-34C4-40D7-BC84-D345FF61F9EC}"/>
               </a:ext>
             </a:extLst>
           </p:cNvPr>
@@ -8816,7 +8793,7 @@
           <p:cNvPr id="11" name="TextBox 10">
             <a:extLst>
               <a:ext uri="{FF2B5EF4-FFF2-40B4-BE49-F238E27FC236}">
-                <a16:creationId xmlns="" xmlns:a16="http://schemas.microsoft.com/office/drawing/2014/main" id="{7D2E2A3F-A3B3-4604-952E-FA00ED9A23CF}"/>
+                <a16:creationId xmlns:a16="http://schemas.microsoft.com/office/drawing/2014/main" xmlns="" id="{7D2E2A3F-A3B3-4604-952E-FA00ED9A23CF}"/>
               </a:ext>
             </a:extLst>
           </p:cNvPr>
@@ -8881,13 +8858,13 @@
   <p:clrMapOvr>
     <a:masterClrMapping/>
   </p:clrMapOvr>
-  <mc:AlternateContent xmlns:mc="http://schemas.openxmlformats.org/markup-compatibility/2006">
-    <mc:Choice xmlns:p14="http://schemas.microsoft.com/office/powerpoint/2010/main" Requires="p14">
+  <mc:AlternateContent xmlns:mc="http://schemas.openxmlformats.org/markup-compatibility/2006" xmlns:p14="http://schemas.microsoft.com/office/powerpoint/2010/main">
+    <mc:Choice Requires="p14">
       <p:transition spd="med" p14:dur="700">
         <p:fade/>
       </p:transition>
     </mc:Choice>
-    <mc:Fallback>
+    <mc:Fallback xmlns="">
       <p:transition spd="med">
         <p:fade/>
       </p:transition>
@@ -8925,7 +8902,7 @@
           <p:cNvPr id="2" name="제목 1">
             <a:extLst>
               <a:ext uri="{FF2B5EF4-FFF2-40B4-BE49-F238E27FC236}">
-                <a16:creationId xmlns="" xmlns:a16="http://schemas.microsoft.com/office/drawing/2014/main" id="{DA0F7900-8450-4E96-9981-E425A614EB47}"/>
+                <a16:creationId xmlns:a16="http://schemas.microsoft.com/office/drawing/2014/main" xmlns="" id="{DA0F7900-8450-4E96-9981-E425A614EB47}"/>
               </a:ext>
             </a:extLst>
           </p:cNvPr>
@@ -8959,7 +8936,7 @@
           <p:cNvPr id="4" name="내용 개체 틀 3">
             <a:extLst>
               <a:ext uri="{FF2B5EF4-FFF2-40B4-BE49-F238E27FC236}">
-                <a16:creationId xmlns="" xmlns:a16="http://schemas.microsoft.com/office/drawing/2014/main" id="{D1F25B91-7E6A-48FD-AE76-B9EFB9F5AFB1}"/>
+                <a16:creationId xmlns:a16="http://schemas.microsoft.com/office/drawing/2014/main" xmlns="" id="{D1F25B91-7E6A-48FD-AE76-B9EFB9F5AFB1}"/>
               </a:ext>
             </a:extLst>
           </p:cNvPr>
@@ -9063,7 +9040,7 @@
           <p:cNvPr id="7" name="그림 6">
             <a:extLst>
               <a:ext uri="{FF2B5EF4-FFF2-40B4-BE49-F238E27FC236}">
-                <a16:creationId xmlns="" xmlns:a16="http://schemas.microsoft.com/office/drawing/2014/main" id="{05C224E6-B58F-4415-AC22-ACD3563C8791}"/>
+                <a16:creationId xmlns:a16="http://schemas.microsoft.com/office/drawing/2014/main" xmlns="" id="{05C224E6-B58F-4415-AC22-ACD3563C8791}"/>
               </a:ext>
             </a:extLst>
           </p:cNvPr>
@@ -9098,7 +9075,7 @@
           <p:cNvPr id="8" name="그림 7">
             <a:extLst>
               <a:ext uri="{FF2B5EF4-FFF2-40B4-BE49-F238E27FC236}">
-                <a16:creationId xmlns="" xmlns:a16="http://schemas.microsoft.com/office/drawing/2014/main" id="{081B32E9-2F7F-46BA-A83D-D8B4A4E9F00A}"/>
+                <a16:creationId xmlns:a16="http://schemas.microsoft.com/office/drawing/2014/main" xmlns="" id="{081B32E9-2F7F-46BA-A83D-D8B4A4E9F00A}"/>
               </a:ext>
             </a:extLst>
           </p:cNvPr>
@@ -9133,7 +9110,7 @@
           <p:cNvPr id="10" name="그림 9" descr="그리기이(가) 표시된 사진&#10;&#10;자동 생성된 설명">
             <a:extLst>
               <a:ext uri="{FF2B5EF4-FFF2-40B4-BE49-F238E27FC236}">
-                <a16:creationId xmlns="" xmlns:a16="http://schemas.microsoft.com/office/drawing/2014/main" id="{7939721C-EED2-4D97-B145-26E46BF3E504}"/>
+                <a16:creationId xmlns:a16="http://schemas.microsoft.com/office/drawing/2014/main" xmlns="" id="{7939721C-EED2-4D97-B145-26E46BF3E504}"/>
               </a:ext>
             </a:extLst>
           </p:cNvPr>
@@ -9225,13 +9202,13 @@
   <p:clrMapOvr>
     <a:masterClrMapping/>
   </p:clrMapOvr>
-  <mc:AlternateContent xmlns:mc="http://schemas.openxmlformats.org/markup-compatibility/2006">
-    <mc:Choice xmlns:p14="http://schemas.microsoft.com/office/powerpoint/2010/main" Requires="p14">
+  <mc:AlternateContent xmlns:mc="http://schemas.openxmlformats.org/markup-compatibility/2006" xmlns:p14="http://schemas.microsoft.com/office/powerpoint/2010/main">
+    <mc:Choice Requires="p14">
       <p:transition spd="med" p14:dur="700">
         <p:fade/>
       </p:transition>
     </mc:Choice>
-    <mc:Fallback>
+    <mc:Fallback xmlns="">
       <p:transition spd="med">
         <p:fade/>
       </p:transition>
@@ -9269,7 +9246,7 @@
           <p:cNvPr id="2" name="제목 1">
             <a:extLst>
               <a:ext uri="{FF2B5EF4-FFF2-40B4-BE49-F238E27FC236}">
-                <a16:creationId xmlns="" xmlns:a16="http://schemas.microsoft.com/office/drawing/2014/main" id="{DA0F7900-8450-4E96-9981-E425A614EB47}"/>
+                <a16:creationId xmlns:a16="http://schemas.microsoft.com/office/drawing/2014/main" xmlns="" id="{DA0F7900-8450-4E96-9981-E425A614EB47}"/>
               </a:ext>
             </a:extLst>
           </p:cNvPr>
@@ -9303,7 +9280,7 @@
           <p:cNvPr id="6" name="내용 개체 틀 5">
             <a:extLst>
               <a:ext uri="{FF2B5EF4-FFF2-40B4-BE49-F238E27FC236}">
-                <a16:creationId xmlns="" xmlns:a16="http://schemas.microsoft.com/office/drawing/2014/main" id="{586BC793-F2AC-44D3-B486-824E20561D84}"/>
+                <a16:creationId xmlns:a16="http://schemas.microsoft.com/office/drawing/2014/main" xmlns="" id="{586BC793-F2AC-44D3-B486-824E20561D84}"/>
               </a:ext>
             </a:extLst>
           </p:cNvPr>
@@ -9338,7 +9315,7 @@
           <p:cNvPr id="4" name="내용 개체 틀 3">
             <a:extLst>
               <a:ext uri="{FF2B5EF4-FFF2-40B4-BE49-F238E27FC236}">
-                <a16:creationId xmlns="" xmlns:a16="http://schemas.microsoft.com/office/drawing/2014/main" id="{D1F25B91-7E6A-48FD-AE76-B9EFB9F5AFB1}"/>
+                <a16:creationId xmlns:a16="http://schemas.microsoft.com/office/drawing/2014/main" xmlns="" id="{D1F25B91-7E6A-48FD-AE76-B9EFB9F5AFB1}"/>
               </a:ext>
             </a:extLst>
           </p:cNvPr>
@@ -9405,13 +9382,13 @@
   <p:clrMapOvr>
     <a:masterClrMapping/>
   </p:clrMapOvr>
-  <mc:AlternateContent xmlns:mc="http://schemas.openxmlformats.org/markup-compatibility/2006">
-    <mc:Choice xmlns:p14="http://schemas.microsoft.com/office/powerpoint/2010/main" Requires="p14">
+  <mc:AlternateContent xmlns:mc="http://schemas.openxmlformats.org/markup-compatibility/2006" xmlns:p14="http://schemas.microsoft.com/office/powerpoint/2010/main">
+    <mc:Choice Requires="p14">
       <p:transition spd="med" p14:dur="700">
         <p:fade/>
       </p:transition>
     </mc:Choice>
-    <mc:Fallback>
+    <mc:Fallback xmlns="">
       <p:transition spd="med">
         <p:fade/>
       </p:transition>
@@ -9449,7 +9426,7 @@
           <p:cNvPr id="8" name="사각형: 둥근 모서리 7">
             <a:extLst>
               <a:ext uri="{FF2B5EF4-FFF2-40B4-BE49-F238E27FC236}">
-                <a16:creationId xmlns="" xmlns:a16="http://schemas.microsoft.com/office/drawing/2014/main" id="{DCB62427-076E-4035-9166-4DAC425CB377}"/>
+                <a16:creationId xmlns:a16="http://schemas.microsoft.com/office/drawing/2014/main" xmlns="" id="{DCB62427-076E-4035-9166-4DAC425CB377}"/>
               </a:ext>
             </a:extLst>
           </p:cNvPr>
@@ -9504,7 +9481,7 @@
           <p:cNvPr id="2" name="제목 1">
             <a:extLst>
               <a:ext uri="{FF2B5EF4-FFF2-40B4-BE49-F238E27FC236}">
-                <a16:creationId xmlns="" xmlns:a16="http://schemas.microsoft.com/office/drawing/2014/main" id="{7CF1E6F2-91DE-46C7-87C9-51325390CE94}"/>
+                <a16:creationId xmlns:a16="http://schemas.microsoft.com/office/drawing/2014/main" xmlns="" id="{7CF1E6F2-91DE-46C7-87C9-51325390CE94}"/>
               </a:ext>
             </a:extLst>
           </p:cNvPr>
@@ -9533,7 +9510,7 @@
           <p:cNvPr id="3" name="사각형: 둥근 모서리 2">
             <a:extLst>
               <a:ext uri="{FF2B5EF4-FFF2-40B4-BE49-F238E27FC236}">
-                <a16:creationId xmlns="" xmlns:a16="http://schemas.microsoft.com/office/drawing/2014/main" id="{FE520405-DAEF-4664-BC7B-22B9CEFA77F0}"/>
+                <a16:creationId xmlns:a16="http://schemas.microsoft.com/office/drawing/2014/main" xmlns="" id="{FE520405-DAEF-4664-BC7B-22B9CEFA77F0}"/>
               </a:ext>
             </a:extLst>
           </p:cNvPr>
@@ -9608,7 +9585,7 @@
           <p:cNvPr id="4" name="사각형: 둥근 모서리 3">
             <a:extLst>
               <a:ext uri="{FF2B5EF4-FFF2-40B4-BE49-F238E27FC236}">
-                <a16:creationId xmlns="" xmlns:a16="http://schemas.microsoft.com/office/drawing/2014/main" id="{CECEF9CB-C4F2-4C72-BCE5-7C6B38F4E9B5}"/>
+                <a16:creationId xmlns:a16="http://schemas.microsoft.com/office/drawing/2014/main" xmlns="" id="{CECEF9CB-C4F2-4C72-BCE5-7C6B38F4E9B5}"/>
               </a:ext>
             </a:extLst>
           </p:cNvPr>
@@ -9675,7 +9652,7 @@
           <p:cNvPr id="6" name="사각형: 둥근 모서리 5">
             <a:extLst>
               <a:ext uri="{FF2B5EF4-FFF2-40B4-BE49-F238E27FC236}">
-                <a16:creationId xmlns="" xmlns:a16="http://schemas.microsoft.com/office/drawing/2014/main" id="{16C42CB2-D1FC-4726-ABF3-16AF972ACB3B}"/>
+                <a16:creationId xmlns:a16="http://schemas.microsoft.com/office/drawing/2014/main" xmlns="" id="{16C42CB2-D1FC-4726-ABF3-16AF972ACB3B}"/>
               </a:ext>
             </a:extLst>
           </p:cNvPr>
@@ -9734,7 +9711,7 @@
           <p:cNvPr id="7" name="사각형: 둥근 모서리 6">
             <a:extLst>
               <a:ext uri="{FF2B5EF4-FFF2-40B4-BE49-F238E27FC236}">
-                <a16:creationId xmlns="" xmlns:a16="http://schemas.microsoft.com/office/drawing/2014/main" id="{3356FACB-7400-4728-B165-7F2DBE62B95C}"/>
+                <a16:creationId xmlns:a16="http://schemas.microsoft.com/office/drawing/2014/main" xmlns="" id="{3356FACB-7400-4728-B165-7F2DBE62B95C}"/>
               </a:ext>
             </a:extLst>
           </p:cNvPr>
@@ -9793,7 +9770,7 @@
           <p:cNvPr id="9" name="화살표: 오른쪽 8">
             <a:extLst>
               <a:ext uri="{FF2B5EF4-FFF2-40B4-BE49-F238E27FC236}">
-                <a16:creationId xmlns="" xmlns:a16="http://schemas.microsoft.com/office/drawing/2014/main" id="{C103A9CF-F4E3-43F1-A8E6-94F35F5F1920}"/>
+                <a16:creationId xmlns:a16="http://schemas.microsoft.com/office/drawing/2014/main" xmlns="" id="{C103A9CF-F4E3-43F1-A8E6-94F35F5F1920}"/>
               </a:ext>
             </a:extLst>
           </p:cNvPr>
@@ -9842,7 +9819,7 @@
           <p:cNvPr id="11" name="화살표: 오른쪽 10">
             <a:extLst>
               <a:ext uri="{FF2B5EF4-FFF2-40B4-BE49-F238E27FC236}">
-                <a16:creationId xmlns="" xmlns:a16="http://schemas.microsoft.com/office/drawing/2014/main" id="{4D678F39-646D-4474-B3E9-116ED54DA5DB}"/>
+                <a16:creationId xmlns:a16="http://schemas.microsoft.com/office/drawing/2014/main" xmlns="" id="{4D678F39-646D-4474-B3E9-116ED54DA5DB}"/>
               </a:ext>
             </a:extLst>
           </p:cNvPr>
@@ -9888,7 +9865,7 @@
           <p:cNvPr id="12" name="TextBox 11">
             <a:extLst>
               <a:ext uri="{FF2B5EF4-FFF2-40B4-BE49-F238E27FC236}">
-                <a16:creationId xmlns="" xmlns:a16="http://schemas.microsoft.com/office/drawing/2014/main" id="{F4EA8F34-1B50-4FD8-8045-61EEBDBC7849}"/>
+                <a16:creationId xmlns:a16="http://schemas.microsoft.com/office/drawing/2014/main" xmlns="" id="{F4EA8F34-1B50-4FD8-8045-61EEBDBC7849}"/>
               </a:ext>
             </a:extLst>
           </p:cNvPr>
@@ -9932,7 +9909,7 @@
           <p:cNvPr id="13" name="화살표: 오른쪽 12">
             <a:extLst>
               <a:ext uri="{FF2B5EF4-FFF2-40B4-BE49-F238E27FC236}">
-                <a16:creationId xmlns="" xmlns:a16="http://schemas.microsoft.com/office/drawing/2014/main" id="{1D237796-7C33-4252-9924-DCF9ABCADD72}"/>
+                <a16:creationId xmlns:a16="http://schemas.microsoft.com/office/drawing/2014/main" xmlns="" id="{1D237796-7C33-4252-9924-DCF9ABCADD72}"/>
               </a:ext>
             </a:extLst>
           </p:cNvPr>
@@ -9986,7 +9963,7 @@
           <p:cNvPr id="14" name="화살표: 오른쪽 13">
             <a:extLst>
               <a:ext uri="{FF2B5EF4-FFF2-40B4-BE49-F238E27FC236}">
-                <a16:creationId xmlns="" xmlns:a16="http://schemas.microsoft.com/office/drawing/2014/main" id="{9D2BF8D3-3A57-4B6D-BCD6-824BED9475B9}"/>
+                <a16:creationId xmlns:a16="http://schemas.microsoft.com/office/drawing/2014/main" xmlns="" id="{9D2BF8D3-3A57-4B6D-BCD6-824BED9475B9}"/>
               </a:ext>
             </a:extLst>
           </p:cNvPr>
@@ -10040,7 +10017,7 @@
           <p:cNvPr id="15" name="사각형: 둥근 모서리 14">
             <a:extLst>
               <a:ext uri="{FF2B5EF4-FFF2-40B4-BE49-F238E27FC236}">
-                <a16:creationId xmlns="" xmlns:a16="http://schemas.microsoft.com/office/drawing/2014/main" id="{8CA7E32C-9EE3-426F-8B15-5B61B6C244E2}"/>
+                <a16:creationId xmlns:a16="http://schemas.microsoft.com/office/drawing/2014/main" xmlns="" id="{8CA7E32C-9EE3-426F-8B15-5B61B6C244E2}"/>
               </a:ext>
             </a:extLst>
           </p:cNvPr>
@@ -10098,7 +10075,7 @@
           <p:cNvPr id="16" name="TextBox 15">
             <a:extLst>
               <a:ext uri="{FF2B5EF4-FFF2-40B4-BE49-F238E27FC236}">
-                <a16:creationId xmlns="" xmlns:a16="http://schemas.microsoft.com/office/drawing/2014/main" id="{3ECB257C-748F-4706-9051-98CEEA0A481D}"/>
+                <a16:creationId xmlns:a16="http://schemas.microsoft.com/office/drawing/2014/main" xmlns="" id="{3ECB257C-748F-4706-9051-98CEEA0A481D}"/>
               </a:ext>
             </a:extLst>
           </p:cNvPr>
@@ -10145,7 +10122,7 @@
           <p:cNvPr id="18" name="TextBox 17">
             <a:extLst>
               <a:ext uri="{FF2B5EF4-FFF2-40B4-BE49-F238E27FC236}">
-                <a16:creationId xmlns="" xmlns:a16="http://schemas.microsoft.com/office/drawing/2014/main" id="{9E252977-741E-4739-B682-0D881F786950}"/>
+                <a16:creationId xmlns:a16="http://schemas.microsoft.com/office/drawing/2014/main" xmlns="" id="{9E252977-741E-4739-B682-0D881F786950}"/>
               </a:ext>
             </a:extLst>
           </p:cNvPr>
@@ -10181,7 +10158,7 @@
           <p:cNvPr id="20" name="화살표: 아래쪽 19">
             <a:extLst>
               <a:ext uri="{FF2B5EF4-FFF2-40B4-BE49-F238E27FC236}">
-                <a16:creationId xmlns="" xmlns:a16="http://schemas.microsoft.com/office/drawing/2014/main" id="{509851BD-29A2-42AA-9966-0DAEA285F003}"/>
+                <a16:creationId xmlns:a16="http://schemas.microsoft.com/office/drawing/2014/main" xmlns="" id="{509851BD-29A2-42AA-9966-0DAEA285F003}"/>
               </a:ext>
             </a:extLst>
           </p:cNvPr>
@@ -10235,7 +10212,7 @@
           <p:cNvPr id="22" name="화살표: 아래쪽 21">
             <a:extLst>
               <a:ext uri="{FF2B5EF4-FFF2-40B4-BE49-F238E27FC236}">
-                <a16:creationId xmlns="" xmlns:a16="http://schemas.microsoft.com/office/drawing/2014/main" id="{21159237-B3BE-4BE7-A71D-16E843FBE0D4}"/>
+                <a16:creationId xmlns:a16="http://schemas.microsoft.com/office/drawing/2014/main" xmlns="" id="{21159237-B3BE-4BE7-A71D-16E843FBE0D4}"/>
               </a:ext>
             </a:extLst>
           </p:cNvPr>
@@ -10289,7 +10266,7 @@
           <p:cNvPr id="23" name="사각형: 둥근 모서리 22">
             <a:extLst>
               <a:ext uri="{FF2B5EF4-FFF2-40B4-BE49-F238E27FC236}">
-                <a16:creationId xmlns="" xmlns:a16="http://schemas.microsoft.com/office/drawing/2014/main" id="{6455ED80-8638-4A50-BADA-A0D1781CF2D3}"/>
+                <a16:creationId xmlns:a16="http://schemas.microsoft.com/office/drawing/2014/main" xmlns="" id="{6455ED80-8638-4A50-BADA-A0D1781CF2D3}"/>
               </a:ext>
             </a:extLst>
           </p:cNvPr>
@@ -10348,7 +10325,7 @@
           <p:cNvPr id="25" name="화살표: 왼쪽/오른쪽 24">
             <a:extLst>
               <a:ext uri="{FF2B5EF4-FFF2-40B4-BE49-F238E27FC236}">
-                <a16:creationId xmlns="" xmlns:a16="http://schemas.microsoft.com/office/drawing/2014/main" id="{EC811B95-A052-4BD1-A646-942816436E39}"/>
+                <a16:creationId xmlns:a16="http://schemas.microsoft.com/office/drawing/2014/main" xmlns="" id="{EC811B95-A052-4BD1-A646-942816436E39}"/>
               </a:ext>
             </a:extLst>
           </p:cNvPr>
@@ -10402,7 +10379,7 @@
           <p:cNvPr id="26" name="사각형: 둥근 모서리 25">
             <a:extLst>
               <a:ext uri="{FF2B5EF4-FFF2-40B4-BE49-F238E27FC236}">
-                <a16:creationId xmlns="" xmlns:a16="http://schemas.microsoft.com/office/drawing/2014/main" id="{5C2A4BF2-11CF-4E39-BE22-5BC1B8362F16}"/>
+                <a16:creationId xmlns:a16="http://schemas.microsoft.com/office/drawing/2014/main" xmlns="" id="{5C2A4BF2-11CF-4E39-BE22-5BC1B8362F16}"/>
               </a:ext>
             </a:extLst>
           </p:cNvPr>
@@ -10465,13 +10442,13 @@
   <p:clrMapOvr>
     <a:masterClrMapping/>
   </p:clrMapOvr>
-  <mc:AlternateContent xmlns:mc="http://schemas.openxmlformats.org/markup-compatibility/2006">
-    <mc:Choice xmlns:p14="http://schemas.microsoft.com/office/powerpoint/2010/main" Requires="p14">
+  <mc:AlternateContent xmlns:mc="http://schemas.openxmlformats.org/markup-compatibility/2006" xmlns:p14="http://schemas.microsoft.com/office/powerpoint/2010/main">
+    <mc:Choice Requires="p14">
       <p:transition spd="med" p14:dur="700">
         <p:fade/>
       </p:transition>
     </mc:Choice>
-    <mc:Fallback>
+    <mc:Fallback xmlns="">
       <p:transition spd="med">
         <p:fade/>
       </p:transition>
@@ -10509,7 +10486,7 @@
           <p:cNvPr id="2" name="제목 1">
             <a:extLst>
               <a:ext uri="{FF2B5EF4-FFF2-40B4-BE49-F238E27FC236}">
-                <a16:creationId xmlns="" xmlns:a16="http://schemas.microsoft.com/office/drawing/2014/main" id="{708AA034-92CD-4432-B0FB-015E398EA987}"/>
+                <a16:creationId xmlns:a16="http://schemas.microsoft.com/office/drawing/2014/main" xmlns="" id="{708AA034-92CD-4432-B0FB-015E398EA987}"/>
               </a:ext>
             </a:extLst>
           </p:cNvPr>
@@ -10537,7 +10514,7 @@
           <p:cNvPr id="5" name="내용 개체 틀 4">
             <a:extLst>
               <a:ext uri="{FF2B5EF4-FFF2-40B4-BE49-F238E27FC236}">
-                <a16:creationId xmlns="" xmlns:a16="http://schemas.microsoft.com/office/drawing/2014/main" id="{3974376B-B511-498F-8A66-7E7E71593D98}"/>
+                <a16:creationId xmlns:a16="http://schemas.microsoft.com/office/drawing/2014/main" xmlns="" id="{3974376B-B511-498F-8A66-7E7E71593D98}"/>
               </a:ext>
             </a:extLst>
           </p:cNvPr>
@@ -10572,7 +10549,7 @@
           <p:cNvPr id="7" name="그림 6">
             <a:extLst>
               <a:ext uri="{FF2B5EF4-FFF2-40B4-BE49-F238E27FC236}">
-                <a16:creationId xmlns="" xmlns:a16="http://schemas.microsoft.com/office/drawing/2014/main" id="{BE53526D-75B0-4841-82AA-AA7A19CDC2F4}"/>
+                <a16:creationId xmlns:a16="http://schemas.microsoft.com/office/drawing/2014/main" xmlns="" id="{BE53526D-75B0-4841-82AA-AA7A19CDC2F4}"/>
               </a:ext>
             </a:extLst>
           </p:cNvPr>
@@ -10608,7 +10585,7 @@
           <p:cNvPr id="11" name="그림 10">
             <a:extLst>
               <a:ext uri="{FF2B5EF4-FFF2-40B4-BE49-F238E27FC236}">
-                <a16:creationId xmlns="" xmlns:a16="http://schemas.microsoft.com/office/drawing/2014/main" id="{8C688BFE-5635-4349-9F45-ABF0FF2ABBC5}"/>
+                <a16:creationId xmlns:a16="http://schemas.microsoft.com/office/drawing/2014/main" xmlns="" id="{8C688BFE-5635-4349-9F45-ABF0FF2ABBC5}"/>
               </a:ext>
             </a:extLst>
           </p:cNvPr>
@@ -10644,7 +10621,7 @@
           <p:cNvPr id="12" name="내용 개체 틀 5">
             <a:extLst>
               <a:ext uri="{FF2B5EF4-FFF2-40B4-BE49-F238E27FC236}">
-                <a16:creationId xmlns="" xmlns:a16="http://schemas.microsoft.com/office/drawing/2014/main" id="{7115B978-CC03-46D7-B4AD-102B8681EC52}"/>
+                <a16:creationId xmlns:a16="http://schemas.microsoft.com/office/drawing/2014/main" xmlns="" id="{7115B978-CC03-46D7-B4AD-102B8681EC52}"/>
               </a:ext>
             </a:extLst>
           </p:cNvPr>
@@ -10724,7 +10701,7 @@
           <p:cNvPr id="13" name="화살표: 아래쪽 12">
             <a:extLst>
               <a:ext uri="{FF2B5EF4-FFF2-40B4-BE49-F238E27FC236}">
-                <a16:creationId xmlns="" xmlns:a16="http://schemas.microsoft.com/office/drawing/2014/main" id="{26C1FC55-454C-4824-A588-9E15507EAD6A}"/>
+                <a16:creationId xmlns:a16="http://schemas.microsoft.com/office/drawing/2014/main" xmlns="" id="{26C1FC55-454C-4824-A588-9E15507EAD6A}"/>
               </a:ext>
             </a:extLst>
           </p:cNvPr>
@@ -10776,7 +10753,7 @@
           <p:cNvPr id="16" name="화살표: 왼쪽/오른쪽 15">
             <a:extLst>
               <a:ext uri="{FF2B5EF4-FFF2-40B4-BE49-F238E27FC236}">
-                <a16:creationId xmlns="" xmlns:a16="http://schemas.microsoft.com/office/drawing/2014/main" id="{AB9D7432-46E3-42A9-B092-D25E28DA8053}"/>
+                <a16:creationId xmlns:a16="http://schemas.microsoft.com/office/drawing/2014/main" xmlns="" id="{AB9D7432-46E3-42A9-B092-D25E28DA8053}"/>
               </a:ext>
             </a:extLst>
           </p:cNvPr>
@@ -10828,7 +10805,7 @@
           <p:cNvPr id="17" name="화살표: 위로 구부러짐 16">
             <a:extLst>
               <a:ext uri="{FF2B5EF4-FFF2-40B4-BE49-F238E27FC236}">
-                <a16:creationId xmlns="" xmlns:a16="http://schemas.microsoft.com/office/drawing/2014/main" id="{6BD8B33B-15FF-4EBE-8F7B-69477B9DBDC5}"/>
+                <a16:creationId xmlns:a16="http://schemas.microsoft.com/office/drawing/2014/main" xmlns="" id="{6BD8B33B-15FF-4EBE-8F7B-69477B9DBDC5}"/>
               </a:ext>
             </a:extLst>
           </p:cNvPr>
@@ -10884,7 +10861,7 @@
           <p:cNvPr id="19" name="그림 18">
             <a:extLst>
               <a:ext uri="{FF2B5EF4-FFF2-40B4-BE49-F238E27FC236}">
-                <a16:creationId xmlns="" xmlns:a16="http://schemas.microsoft.com/office/drawing/2014/main" id="{5D47A3BC-C341-4CBF-AC3F-613CD713D129}"/>
+                <a16:creationId xmlns:a16="http://schemas.microsoft.com/office/drawing/2014/main" xmlns="" id="{5D47A3BC-C341-4CBF-AC3F-613CD713D129}"/>
               </a:ext>
             </a:extLst>
           </p:cNvPr>
@@ -10914,7 +10891,7 @@
           <p:cNvPr id="21" name="말풍선: 사각형 20">
             <a:extLst>
               <a:ext uri="{FF2B5EF4-FFF2-40B4-BE49-F238E27FC236}">
-                <a16:creationId xmlns="" xmlns:a16="http://schemas.microsoft.com/office/drawing/2014/main" id="{27CB83C9-84E3-4F67-94F6-ECE3B60686FB}"/>
+                <a16:creationId xmlns:a16="http://schemas.microsoft.com/office/drawing/2014/main" xmlns="" id="{27CB83C9-84E3-4F67-94F6-ECE3B60686FB}"/>
               </a:ext>
             </a:extLst>
           </p:cNvPr>
@@ -10964,7 +10941,7 @@
           <p:cNvPr id="23" name="그림 22">
             <a:extLst>
               <a:ext uri="{FF2B5EF4-FFF2-40B4-BE49-F238E27FC236}">
-                <a16:creationId xmlns="" xmlns:a16="http://schemas.microsoft.com/office/drawing/2014/main" id="{961FDD4B-D933-4423-ABA4-EBB4A1782C87}"/>
+                <a16:creationId xmlns:a16="http://schemas.microsoft.com/office/drawing/2014/main" xmlns="" id="{961FDD4B-D933-4423-ABA4-EBB4A1782C87}"/>
               </a:ext>
             </a:extLst>
           </p:cNvPr>
@@ -11022,7 +10999,7 @@
           <p:cNvPr id="3" name="TextBox 2">
             <a:extLst>
               <a:ext uri="{FF2B5EF4-FFF2-40B4-BE49-F238E27FC236}">
-                <a16:creationId xmlns="" xmlns:a16="http://schemas.microsoft.com/office/drawing/2014/main" id="{6CE70566-DC2E-48E6-BD27-264F906420B1}"/>
+                <a16:creationId xmlns:a16="http://schemas.microsoft.com/office/drawing/2014/main" xmlns="" id="{6CE70566-DC2E-48E6-BD27-264F906420B1}"/>
               </a:ext>
             </a:extLst>
           </p:cNvPr>
@@ -11055,19 +11032,7 @@
               <a:rPr lang="en-US" altLang="ko-KR" dirty="0" smtClean="0">
                 <a:hlinkClick r:id="rId11"/>
               </a:rPr>
-              <a:t>soongsilreservation.</a:t>
-            </a:r>
-            <a:r>
-              <a:rPr lang="en-US" altLang="ko-KR" dirty="0" smtClean="0">
-                <a:hlinkClick r:id="rId11"/>
-              </a:rPr>
-              <a:t>cf</a:t>
-            </a:r>
-            <a:r>
-              <a:rPr lang="en-US" altLang="ko-KR" dirty="0" smtClean="0">
-                <a:hlinkClick r:id="rId11"/>
-              </a:rPr>
-              <a:t>:8080</a:t>
+              <a:t>soongsilreservation.cf:8080</a:t>
             </a:r>
             <a:endParaRPr lang="ko-KR" altLang="en-US" dirty="0"/>
           </a:p>
@@ -11078,7 +11043,7 @@
           <p:cNvPr id="9" name="그림 8">
             <a:extLst>
               <a:ext uri="{FF2B5EF4-FFF2-40B4-BE49-F238E27FC236}">
-                <a16:creationId xmlns="" xmlns:a16="http://schemas.microsoft.com/office/drawing/2014/main" id="{4EACBD8C-B322-4900-8991-87365C78D170}"/>
+                <a16:creationId xmlns:a16="http://schemas.microsoft.com/office/drawing/2014/main" xmlns="" id="{4EACBD8C-B322-4900-8991-87365C78D170}"/>
               </a:ext>
             </a:extLst>
           </p:cNvPr>
@@ -11122,7 +11087,7 @@
           <p:cNvPr id="4" name="화살표: 왼쪽/위쪽 3">
             <a:extLst>
               <a:ext uri="{FF2B5EF4-FFF2-40B4-BE49-F238E27FC236}">
-                <a16:creationId xmlns="" xmlns:a16="http://schemas.microsoft.com/office/drawing/2014/main" id="{153900AF-FAAB-4584-A6FC-731676B08481}"/>
+                <a16:creationId xmlns:a16="http://schemas.microsoft.com/office/drawing/2014/main" xmlns="" id="{153900AF-FAAB-4584-A6FC-731676B08481}"/>
               </a:ext>
             </a:extLst>
           </p:cNvPr>
@@ -11178,7 +11143,7 @@
           <p:cNvPr id="6" name="TextBox 5">
             <a:extLst>
               <a:ext uri="{FF2B5EF4-FFF2-40B4-BE49-F238E27FC236}">
-                <a16:creationId xmlns="" xmlns:a16="http://schemas.microsoft.com/office/drawing/2014/main" id="{39C2F1A7-CF11-4675-B073-1F3CFAE293BB}"/>
+                <a16:creationId xmlns:a16="http://schemas.microsoft.com/office/drawing/2014/main" xmlns="" id="{39C2F1A7-CF11-4675-B073-1F3CFAE293BB}"/>
               </a:ext>
             </a:extLst>
           </p:cNvPr>
@@ -11214,7 +11179,7 @@
           <p:cNvPr id="8" name="직사각형 7">
             <a:extLst>
               <a:ext uri="{FF2B5EF4-FFF2-40B4-BE49-F238E27FC236}">
-                <a16:creationId xmlns="" xmlns:a16="http://schemas.microsoft.com/office/drawing/2014/main" id="{21E1FD11-CF67-4E71-9964-6D5E12FBB76E}"/>
+                <a16:creationId xmlns:a16="http://schemas.microsoft.com/office/drawing/2014/main" xmlns="" id="{21E1FD11-CF67-4E71-9964-6D5E12FBB76E}"/>
               </a:ext>
             </a:extLst>
           </p:cNvPr>
@@ -11258,13 +11223,13 @@
   <p:clrMapOvr>
     <a:masterClrMapping/>
   </p:clrMapOvr>
-  <mc:AlternateContent xmlns:mc="http://schemas.openxmlformats.org/markup-compatibility/2006">
-    <mc:Choice xmlns:p14="http://schemas.microsoft.com/office/powerpoint/2010/main" Requires="p14">
+  <mc:AlternateContent xmlns:mc="http://schemas.openxmlformats.org/markup-compatibility/2006" xmlns:p14="http://schemas.microsoft.com/office/powerpoint/2010/main">
+    <mc:Choice Requires="p14">
       <p:transition spd="med" p14:dur="700">
         <p:fade/>
       </p:transition>
     </mc:Choice>
-    <mc:Fallback>
+    <mc:Fallback xmlns="">
       <p:transition spd="med">
         <p:fade/>
       </p:transition>
@@ -11302,7 +11267,7 @@
           <p:cNvPr id="2" name="TextBox 1">
             <a:extLst>
               <a:ext uri="{FF2B5EF4-FFF2-40B4-BE49-F238E27FC236}">
-                <a16:creationId xmlns="" xmlns:a16="http://schemas.microsoft.com/office/drawing/2014/main" id="{008E62C0-14A1-4A12-B41E-13F0E87755BC}"/>
+                <a16:creationId xmlns:a16="http://schemas.microsoft.com/office/drawing/2014/main" xmlns="" id="{008E62C0-14A1-4A12-B41E-13F0E87755BC}"/>
               </a:ext>
             </a:extLst>
           </p:cNvPr>
@@ -11358,7 +11323,7 @@
           <p:cNvPr id="17" name="직사각형 16">
             <a:extLst>
               <a:ext uri="{FF2B5EF4-FFF2-40B4-BE49-F238E27FC236}">
-                <a16:creationId xmlns="" xmlns:a16="http://schemas.microsoft.com/office/drawing/2014/main" id="{21582EED-4CEF-4332-AD6E-3A0DE847DFC5}"/>
+                <a16:creationId xmlns:a16="http://schemas.microsoft.com/office/drawing/2014/main" xmlns="" id="{21582EED-4CEF-4332-AD6E-3A0DE847DFC5}"/>
               </a:ext>
             </a:extLst>
           </p:cNvPr>
@@ -11410,7 +11375,7 @@
           <p:cNvPr id="18" name="TextBox 17">
             <a:extLst>
               <a:ext uri="{FF2B5EF4-FFF2-40B4-BE49-F238E27FC236}">
-                <a16:creationId xmlns="" xmlns:a16="http://schemas.microsoft.com/office/drawing/2014/main" id="{D7B7EE40-BAD9-4569-9BF6-F6E9ACA78A3C}"/>
+                <a16:creationId xmlns:a16="http://schemas.microsoft.com/office/drawing/2014/main" xmlns="" id="{D7B7EE40-BAD9-4569-9BF6-F6E9ACA78A3C}"/>
               </a:ext>
             </a:extLst>
           </p:cNvPr>
@@ -11470,7 +11435,7 @@
           <p:cNvPr id="21" name="TextBox 20">
             <a:extLst>
               <a:ext uri="{FF2B5EF4-FFF2-40B4-BE49-F238E27FC236}">
-                <a16:creationId xmlns="" xmlns:a16="http://schemas.microsoft.com/office/drawing/2014/main" id="{899189D7-8C56-435A-8DD9-504E21564A52}"/>
+                <a16:creationId xmlns:a16="http://schemas.microsoft.com/office/drawing/2014/main" xmlns="" id="{899189D7-8C56-435A-8DD9-504E21564A52}"/>
               </a:ext>
             </a:extLst>
           </p:cNvPr>
@@ -11530,7 +11495,7 @@
           <p:cNvPr id="8" name="TextBox 7">
             <a:extLst>
               <a:ext uri="{FF2B5EF4-FFF2-40B4-BE49-F238E27FC236}">
-                <a16:creationId xmlns="" xmlns:a16="http://schemas.microsoft.com/office/drawing/2014/main" id="{B658D72A-A786-4AF3-A840-008ED4AFA1C3}"/>
+                <a16:creationId xmlns:a16="http://schemas.microsoft.com/office/drawing/2014/main" xmlns="" id="{B658D72A-A786-4AF3-A840-008ED4AFA1C3}"/>
               </a:ext>
             </a:extLst>
           </p:cNvPr>
@@ -11590,7 +11555,7 @@
           <p:cNvPr id="9" name="TextBox 8">
             <a:extLst>
               <a:ext uri="{FF2B5EF4-FFF2-40B4-BE49-F238E27FC236}">
-                <a16:creationId xmlns="" xmlns:a16="http://schemas.microsoft.com/office/drawing/2014/main" id="{44928B4D-C9FA-48AF-9F12-628C879C38AD}"/>
+                <a16:creationId xmlns:a16="http://schemas.microsoft.com/office/drawing/2014/main" xmlns="" id="{44928B4D-C9FA-48AF-9F12-628C879C38AD}"/>
               </a:ext>
             </a:extLst>
           </p:cNvPr>
@@ -11650,7 +11615,7 @@
           <p:cNvPr id="10" name="TextBox 9">
             <a:extLst>
               <a:ext uri="{FF2B5EF4-FFF2-40B4-BE49-F238E27FC236}">
-                <a16:creationId xmlns="" xmlns:a16="http://schemas.microsoft.com/office/drawing/2014/main" id="{6A41EF96-34C4-40D7-BC84-D345FF61F9EC}"/>
+                <a16:creationId xmlns:a16="http://schemas.microsoft.com/office/drawing/2014/main" xmlns="" id="{6A41EF96-34C4-40D7-BC84-D345FF61F9EC}"/>
               </a:ext>
             </a:extLst>
           </p:cNvPr>
@@ -11710,7 +11675,7 @@
           <p:cNvPr id="11" name="TextBox 10">
             <a:extLst>
               <a:ext uri="{FF2B5EF4-FFF2-40B4-BE49-F238E27FC236}">
-                <a16:creationId xmlns="" xmlns:a16="http://schemas.microsoft.com/office/drawing/2014/main" id="{7D2E2A3F-A3B3-4604-952E-FA00ED9A23CF}"/>
+                <a16:creationId xmlns:a16="http://schemas.microsoft.com/office/drawing/2014/main" xmlns="" id="{7D2E2A3F-A3B3-4604-952E-FA00ED9A23CF}"/>
               </a:ext>
             </a:extLst>
           </p:cNvPr>
@@ -11775,13 +11740,13 @@
   <p:clrMapOvr>
     <a:masterClrMapping/>
   </p:clrMapOvr>
-  <mc:AlternateContent xmlns:mc="http://schemas.openxmlformats.org/markup-compatibility/2006">
-    <mc:Choice xmlns:p14="http://schemas.microsoft.com/office/powerpoint/2010/main" Requires="p14">
+  <mc:AlternateContent xmlns:mc="http://schemas.openxmlformats.org/markup-compatibility/2006" xmlns:p14="http://schemas.microsoft.com/office/powerpoint/2010/main">
+    <mc:Choice Requires="p14">
       <p:transition spd="med" p14:dur="700">
         <p:fade/>
       </p:transition>
     </mc:Choice>
-    <mc:Fallback>
+    <mc:Fallback xmlns="">
       <p:transition spd="med">
         <p:fade/>
       </p:transition>
@@ -11819,7 +11784,7 @@
           <p:cNvPr id="6" name="그림 5">
             <a:extLst>
               <a:ext uri="{FF2B5EF4-FFF2-40B4-BE49-F238E27FC236}">
-                <a16:creationId xmlns="" xmlns:a16="http://schemas.microsoft.com/office/drawing/2014/main" id="{120E7CAB-3109-4040-AC6D-D5D6F19D88FE}"/>
+                <a16:creationId xmlns:a16="http://schemas.microsoft.com/office/drawing/2014/main" xmlns="" id="{120E7CAB-3109-4040-AC6D-D5D6F19D88FE}"/>
               </a:ext>
             </a:extLst>
           </p:cNvPr>
@@ -11849,7 +11814,7 @@
           <p:cNvPr id="3" name="그림 2">
             <a:extLst>
               <a:ext uri="{FF2B5EF4-FFF2-40B4-BE49-F238E27FC236}">
-                <a16:creationId xmlns="" xmlns:a16="http://schemas.microsoft.com/office/drawing/2014/main" id="{1B4B2188-957E-4F88-8F33-554BA2450842}"/>
+                <a16:creationId xmlns:a16="http://schemas.microsoft.com/office/drawing/2014/main" xmlns="" id="{1B4B2188-957E-4F88-8F33-554BA2450842}"/>
               </a:ext>
             </a:extLst>
           </p:cNvPr>
@@ -11879,7 +11844,7 @@
           <p:cNvPr id="2" name="제목 1">
             <a:extLst>
               <a:ext uri="{FF2B5EF4-FFF2-40B4-BE49-F238E27FC236}">
-                <a16:creationId xmlns="" xmlns:a16="http://schemas.microsoft.com/office/drawing/2014/main" id="{7CF6743E-992C-46DD-9F50-F20C68F072FB}"/>
+                <a16:creationId xmlns:a16="http://schemas.microsoft.com/office/drawing/2014/main" xmlns="" id="{7CF6743E-992C-46DD-9F50-F20C68F072FB}"/>
               </a:ext>
             </a:extLst>
           </p:cNvPr>
@@ -11912,7 +11877,7 @@
           <p:cNvPr id="4" name="내용 개체 틀 3">
             <a:extLst>
               <a:ext uri="{FF2B5EF4-FFF2-40B4-BE49-F238E27FC236}">
-                <a16:creationId xmlns="" xmlns:a16="http://schemas.microsoft.com/office/drawing/2014/main" id="{47634925-310A-4898-9062-7813E15FB618}"/>
+                <a16:creationId xmlns:a16="http://schemas.microsoft.com/office/drawing/2014/main" xmlns="" id="{47634925-310A-4898-9062-7813E15FB618}"/>
               </a:ext>
             </a:extLst>
           </p:cNvPr>
@@ -12106,7 +12071,7 @@
           <p:cNvPr id="9" name="직사각형 8">
             <a:extLst>
               <a:ext uri="{FF2B5EF4-FFF2-40B4-BE49-F238E27FC236}">
-                <a16:creationId xmlns="" xmlns:a16="http://schemas.microsoft.com/office/drawing/2014/main" id="{3328151E-C3D7-4431-8CE3-EAED41CAC13F}"/>
+                <a16:creationId xmlns:a16="http://schemas.microsoft.com/office/drawing/2014/main" xmlns="" id="{3328151E-C3D7-4431-8CE3-EAED41CAC13F}"/>
               </a:ext>
             </a:extLst>
           </p:cNvPr>
@@ -12158,7 +12123,7 @@
           <p:cNvPr id="10" name="직사각형 9">
             <a:extLst>
               <a:ext uri="{FF2B5EF4-FFF2-40B4-BE49-F238E27FC236}">
-                <a16:creationId xmlns="" xmlns:a16="http://schemas.microsoft.com/office/drawing/2014/main" id="{EC6251D2-7DB5-4634-8614-816EDF2D7E52}"/>
+                <a16:creationId xmlns:a16="http://schemas.microsoft.com/office/drawing/2014/main" xmlns="" id="{EC6251D2-7DB5-4634-8614-816EDF2D7E52}"/>
               </a:ext>
             </a:extLst>
           </p:cNvPr>
@@ -12210,7 +12175,7 @@
           <p:cNvPr id="11" name="직사각형 10">
             <a:extLst>
               <a:ext uri="{FF2B5EF4-FFF2-40B4-BE49-F238E27FC236}">
-                <a16:creationId xmlns="" xmlns:a16="http://schemas.microsoft.com/office/drawing/2014/main" id="{26ADD7FE-6FDF-407B-AD19-2D92A38678F4}"/>
+                <a16:creationId xmlns:a16="http://schemas.microsoft.com/office/drawing/2014/main" xmlns="" id="{26ADD7FE-6FDF-407B-AD19-2D92A38678F4}"/>
               </a:ext>
             </a:extLst>
           </p:cNvPr>
@@ -12262,7 +12227,7 @@
           <p:cNvPr id="12" name="직사각형 11">
             <a:extLst>
               <a:ext uri="{FF2B5EF4-FFF2-40B4-BE49-F238E27FC236}">
-                <a16:creationId xmlns="" xmlns:a16="http://schemas.microsoft.com/office/drawing/2014/main" id="{8B651A84-E2EB-439A-B09A-276C5101C6BA}"/>
+                <a16:creationId xmlns:a16="http://schemas.microsoft.com/office/drawing/2014/main" xmlns="" id="{8B651A84-E2EB-439A-B09A-276C5101C6BA}"/>
               </a:ext>
             </a:extLst>
           </p:cNvPr>
@@ -12314,7 +12279,7 @@
           <p:cNvPr id="7" name="그림 6">
             <a:extLst>
               <a:ext uri="{FF2B5EF4-FFF2-40B4-BE49-F238E27FC236}">
-                <a16:creationId xmlns="" xmlns:a16="http://schemas.microsoft.com/office/drawing/2014/main" id="{9D692CB1-EBBB-44FD-A28C-9F51FD454F37}"/>
+                <a16:creationId xmlns:a16="http://schemas.microsoft.com/office/drawing/2014/main" xmlns="" id="{9D692CB1-EBBB-44FD-A28C-9F51FD454F37}"/>
               </a:ext>
             </a:extLst>
           </p:cNvPr>
@@ -12344,7 +12309,7 @@
           <p:cNvPr id="13" name="직사각형 12">
             <a:extLst>
               <a:ext uri="{FF2B5EF4-FFF2-40B4-BE49-F238E27FC236}">
-                <a16:creationId xmlns="" xmlns:a16="http://schemas.microsoft.com/office/drawing/2014/main" id="{40D76F84-3C5E-43E5-BC52-7721CBECFAC7}"/>
+                <a16:creationId xmlns:a16="http://schemas.microsoft.com/office/drawing/2014/main" xmlns="" id="{40D76F84-3C5E-43E5-BC52-7721CBECFAC7}"/>
               </a:ext>
             </a:extLst>
           </p:cNvPr>
@@ -12396,7 +12361,7 @@
           <p:cNvPr id="14" name="그림 13">
             <a:extLst>
               <a:ext uri="{FF2B5EF4-FFF2-40B4-BE49-F238E27FC236}">
-                <a16:creationId xmlns="" xmlns:a16="http://schemas.microsoft.com/office/drawing/2014/main" id="{4FCA0D2E-32B6-406F-83FA-432D0976ED89}"/>
+                <a16:creationId xmlns:a16="http://schemas.microsoft.com/office/drawing/2014/main" xmlns="" id="{4FCA0D2E-32B6-406F-83FA-432D0976ED89}"/>
               </a:ext>
             </a:extLst>
           </p:cNvPr>
@@ -12426,7 +12391,7 @@
           <p:cNvPr id="17" name="직사각형 16">
             <a:extLst>
               <a:ext uri="{FF2B5EF4-FFF2-40B4-BE49-F238E27FC236}">
-                <a16:creationId xmlns="" xmlns:a16="http://schemas.microsoft.com/office/drawing/2014/main" id="{D0845DE4-F730-4664-85D8-CAEAA749461C}"/>
+                <a16:creationId xmlns:a16="http://schemas.microsoft.com/office/drawing/2014/main" xmlns="" id="{D0845DE4-F730-4664-85D8-CAEAA749461C}"/>
               </a:ext>
             </a:extLst>
           </p:cNvPr>
@@ -12607,13 +12572,13 @@
   <p:clrMapOvr>
     <a:masterClrMapping/>
   </p:clrMapOvr>
-  <mc:AlternateContent xmlns:mc="http://schemas.openxmlformats.org/markup-compatibility/2006">
-    <mc:Choice xmlns:p14="http://schemas.microsoft.com/office/powerpoint/2010/main" Requires="p14">
+  <mc:AlternateContent xmlns:mc="http://schemas.openxmlformats.org/markup-compatibility/2006" xmlns:p14="http://schemas.microsoft.com/office/powerpoint/2010/main">
+    <mc:Choice Requires="p14">
       <p:transition spd="med" p14:dur="700">
         <p:fade/>
       </p:transition>
     </mc:Choice>
-    <mc:Fallback>
+    <mc:Fallback xmlns="">
       <p:transition spd="med">
         <p:fade/>
       </p:transition>
@@ -12651,7 +12616,7 @@
           <p:cNvPr id="2" name="제목 1">
             <a:extLst>
               <a:ext uri="{FF2B5EF4-FFF2-40B4-BE49-F238E27FC236}">
-                <a16:creationId xmlns="" xmlns:a16="http://schemas.microsoft.com/office/drawing/2014/main" id="{7CF6743E-992C-46DD-9F50-F20C68F072FB}"/>
+                <a16:creationId xmlns:a16="http://schemas.microsoft.com/office/drawing/2014/main" xmlns="" id="{7CF6743E-992C-46DD-9F50-F20C68F072FB}"/>
               </a:ext>
             </a:extLst>
           </p:cNvPr>
@@ -12679,7 +12644,7 @@
           <p:cNvPr id="4" name="내용 개체 틀 3">
             <a:extLst>
               <a:ext uri="{FF2B5EF4-FFF2-40B4-BE49-F238E27FC236}">
-                <a16:creationId xmlns="" xmlns:a16="http://schemas.microsoft.com/office/drawing/2014/main" id="{47634925-310A-4898-9062-7813E15FB618}"/>
+                <a16:creationId xmlns:a16="http://schemas.microsoft.com/office/drawing/2014/main" xmlns="" id="{47634925-310A-4898-9062-7813E15FB618}"/>
               </a:ext>
             </a:extLst>
           </p:cNvPr>
@@ -12873,7 +12838,7 @@
           <p:cNvPr id="6" name="그림 5">
             <a:extLst>
               <a:ext uri="{FF2B5EF4-FFF2-40B4-BE49-F238E27FC236}">
-                <a16:creationId xmlns="" xmlns:a16="http://schemas.microsoft.com/office/drawing/2014/main" id="{CD8216C6-D320-4439-8184-BC393CD5B253}"/>
+                <a16:creationId xmlns:a16="http://schemas.microsoft.com/office/drawing/2014/main" xmlns="" id="{CD8216C6-D320-4439-8184-BC393CD5B253}"/>
               </a:ext>
             </a:extLst>
           </p:cNvPr>
@@ -12914,7 +12879,7 @@
           <p:cNvPr id="11" name="그림 10">
             <a:extLst>
               <a:ext uri="{FF2B5EF4-FFF2-40B4-BE49-F238E27FC236}">
-                <a16:creationId xmlns="" xmlns:a16="http://schemas.microsoft.com/office/drawing/2014/main" id="{35A0D81C-6041-4970-82B7-A2846E2320B9}"/>
+                <a16:creationId xmlns:a16="http://schemas.microsoft.com/office/drawing/2014/main" xmlns="" id="{35A0D81C-6041-4970-82B7-A2846E2320B9}"/>
               </a:ext>
             </a:extLst>
           </p:cNvPr>
@@ -12955,7 +12920,7 @@
           <p:cNvPr id="17" name="그림 16">
             <a:extLst>
               <a:ext uri="{FF2B5EF4-FFF2-40B4-BE49-F238E27FC236}">
-                <a16:creationId xmlns="" xmlns:a16="http://schemas.microsoft.com/office/drawing/2014/main" id="{81821323-6939-45AF-A994-411ED1D20414}"/>
+                <a16:creationId xmlns:a16="http://schemas.microsoft.com/office/drawing/2014/main" xmlns="" id="{81821323-6939-45AF-A994-411ED1D20414}"/>
               </a:ext>
             </a:extLst>
           </p:cNvPr>
@@ -12991,7 +12956,7 @@
           <p:cNvPr id="18" name="직사각형 17">
             <a:extLst>
               <a:ext uri="{FF2B5EF4-FFF2-40B4-BE49-F238E27FC236}">
-                <a16:creationId xmlns="" xmlns:a16="http://schemas.microsoft.com/office/drawing/2014/main" id="{7FA974DA-9477-4A3F-AF9F-FE795E876067}"/>
+                <a16:creationId xmlns:a16="http://schemas.microsoft.com/office/drawing/2014/main" xmlns="" id="{7FA974DA-9477-4A3F-AF9F-FE795E876067}"/>
               </a:ext>
             </a:extLst>
           </p:cNvPr>
@@ -13043,7 +13008,7 @@
           <p:cNvPr id="19" name="직사각형 18">
             <a:extLst>
               <a:ext uri="{FF2B5EF4-FFF2-40B4-BE49-F238E27FC236}">
-                <a16:creationId xmlns="" xmlns:a16="http://schemas.microsoft.com/office/drawing/2014/main" id="{DF288BBE-05A7-4D05-8C89-045A3A1851B1}"/>
+                <a16:creationId xmlns:a16="http://schemas.microsoft.com/office/drawing/2014/main" xmlns="" id="{DF288BBE-05A7-4D05-8C89-045A3A1851B1}"/>
               </a:ext>
             </a:extLst>
           </p:cNvPr>
@@ -13095,7 +13060,7 @@
           <p:cNvPr id="22" name="직사각형 21">
             <a:extLst>
               <a:ext uri="{FF2B5EF4-FFF2-40B4-BE49-F238E27FC236}">
-                <a16:creationId xmlns="" xmlns:a16="http://schemas.microsoft.com/office/drawing/2014/main" id="{6010BCEA-3E8C-4FC1-968C-1B7C7EE2AB4C}"/>
+                <a16:creationId xmlns:a16="http://schemas.microsoft.com/office/drawing/2014/main" xmlns="" id="{6010BCEA-3E8C-4FC1-968C-1B7C7EE2AB4C}"/>
               </a:ext>
             </a:extLst>
           </p:cNvPr>
@@ -13264,7 +13229,7 @@
           <p:cNvPr id="20" name="직사각형 19">
             <a:extLst>
               <a:ext uri="{FF2B5EF4-FFF2-40B4-BE49-F238E27FC236}">
-                <a16:creationId xmlns="" xmlns:a16="http://schemas.microsoft.com/office/drawing/2014/main" id="{6010BCEA-3E8C-4FC1-968C-1B7C7EE2AB4C}"/>
+                <a16:creationId xmlns:a16="http://schemas.microsoft.com/office/drawing/2014/main" xmlns="" id="{6010BCEA-3E8C-4FC1-968C-1B7C7EE2AB4C}"/>
               </a:ext>
             </a:extLst>
           </p:cNvPr>
@@ -13321,13 +13286,13 @@
   <p:clrMapOvr>
     <a:masterClrMapping/>
   </p:clrMapOvr>
-  <mc:AlternateContent xmlns:mc="http://schemas.openxmlformats.org/markup-compatibility/2006">
-    <mc:Choice xmlns:p14="http://schemas.microsoft.com/office/powerpoint/2010/main" Requires="p14">
+  <mc:AlternateContent xmlns:mc="http://schemas.openxmlformats.org/markup-compatibility/2006" xmlns:p14="http://schemas.microsoft.com/office/powerpoint/2010/main">
+    <mc:Choice Requires="p14">
       <p:transition spd="med" p14:dur="700">
         <p:fade/>
       </p:transition>
     </mc:Choice>
-    <mc:Fallback>
+    <mc:Fallback xmlns="">
       <p:transition spd="med">
         <p:fade/>
       </p:transition>
@@ -13632,7 +13597,7 @@
   <a:extraClrSchemeLst/>
   <a:extLst>
     <a:ext uri="{05A4C25C-085E-4340-85A3-A5531E510DB2}">
-      <thm15:themeFamily xmlns="" xmlns:thm15="http://schemas.microsoft.com/office/thememl/2012/main" name="Office Theme" id="{62F939B6-93AF-4DB8-9C6B-D6C7DFDC589F}" vid="{4A3C46E8-61CC-4603-A589-7422A47A8E4A}"/>
+      <thm15:themeFamily xmlns:thm15="http://schemas.microsoft.com/office/thememl/2012/main" xmlns="" name="Office Theme" id="{62F939B6-93AF-4DB8-9C6B-D6C7DFDC589F}" vid="{4A3C46E8-61CC-4603-A589-7422A47A8E4A}"/>
     </a:ext>
   </a:extLst>
 </a:theme>
@@ -13927,7 +13892,7 @@
   <a:extraClrSchemeLst/>
   <a:extLst>
     <a:ext uri="{05A4C25C-085E-4340-85A3-A5531E510DB2}">
-      <thm15:themeFamily xmlns="" xmlns:thm15="http://schemas.microsoft.com/office/thememl/2012/main" name="Office Theme" id="{62F939B6-93AF-4DB8-9C6B-D6C7DFDC589F}" vid="{4A3C46E8-61CC-4603-A589-7422A47A8E4A}"/>
+      <thm15:themeFamily xmlns:thm15="http://schemas.microsoft.com/office/thememl/2012/main" xmlns="" name="Office Theme" id="{62F939B6-93AF-4DB8-9C6B-D6C7DFDC589F}" vid="{4A3C46E8-61CC-4603-A589-7422A47A8E4A}"/>
     </a:ext>
   </a:extLst>
 </a:theme>
